--- a/05 - Boolean Algebra/slides.pptx
+++ b/05 - Boolean Algebra/slides.pptx
@@ -291,2510 +291,29 @@
 </p:presentation>
 </file>
 
-<file path=ppt/revisionInfo.xml><?xml version="1.0" encoding="utf-8"?>
-<p1510:revInfo xmlns:a="http://schemas.openxmlformats.org/drawingml/2006/main" xmlns:r="http://schemas.openxmlformats.org/officeDocument/2006/relationships" xmlns:p1510="http://schemas.microsoft.com/office/powerpoint/2015/10/main">
-  <p1510:revLst>
-    <p1510:client id="{F24200B3-4717-AF46-9058-CDF2EC146C1F}" v="91" dt="2025-09-23T11:43:26.690"/>
-  </p1510:revLst>
-</p1510:revInfo>
-</file>
-
 <file path=ppt/changesInfos/changesInfo1.xml><?xml version="1.0" encoding="utf-8"?>
 <pc:chgInfo xmlns:a="http://schemas.openxmlformats.org/drawingml/2006/main" xmlns:r="http://schemas.openxmlformats.org/officeDocument/2006/relationships" xmlns:ac="http://schemas.microsoft.com/office/drawing/2013/main/command" xmlns:pc="http://schemas.microsoft.com/office/powerpoint/2013/main/command">
   <pc:docChgLst>
     <pc:chgData name="Riccardo Berta" userId="c8694f89-bba4-4576-b0a8-456619ca5a8c" providerId="ADAL" clId="{FDDBFC5A-5EA9-5330-BEB8-433D7E3B4C4E}"/>
     <pc:docChg chg="undo redo custSel addSld delSld modSld">
-      <pc:chgData name="Riccardo Berta" userId="c8694f89-bba4-4576-b0a8-456619ca5a8c" providerId="ADAL" clId="{FDDBFC5A-5EA9-5330-BEB8-433D7E3B4C4E}" dt="2025-09-23T11:43:57.291" v="2764" actId="1035"/>
-      <pc:docMkLst>
-        <pc:docMk/>
-      </pc:docMkLst>
-      <pc:sldChg chg="addSp delSp modSp mod">
-        <pc:chgData name="Riccardo Berta" userId="c8694f89-bba4-4576-b0a8-456619ca5a8c" providerId="ADAL" clId="{FDDBFC5A-5EA9-5330-BEB8-433D7E3B4C4E}" dt="2025-09-18T11:35:42.384" v="269" actId="1076"/>
-        <pc:sldMkLst>
-          <pc:docMk/>
-          <pc:sldMk cId="0" sldId="257"/>
-        </pc:sldMkLst>
-        <pc:spChg chg="mod">
-          <ac:chgData name="Riccardo Berta" userId="c8694f89-bba4-4576-b0a8-456619ca5a8c" providerId="ADAL" clId="{FDDBFC5A-5EA9-5330-BEB8-433D7E3B4C4E}" dt="2025-09-18T11:35:42.384" v="269" actId="1076"/>
-          <ac:spMkLst>
-            <pc:docMk/>
-            <pc:sldMk cId="0" sldId="257"/>
-            <ac:spMk id="2" creationId="{73D05A5B-F314-1A76-16FA-1A00D54AF6D5}"/>
-          </ac:spMkLst>
-        </pc:spChg>
-        <pc:spChg chg="mod">
-          <ac:chgData name="Riccardo Berta" userId="c8694f89-bba4-4576-b0a8-456619ca5a8c" providerId="ADAL" clId="{FDDBFC5A-5EA9-5330-BEB8-433D7E3B4C4E}" dt="2025-09-18T11:35:42.384" v="269" actId="1076"/>
-          <ac:spMkLst>
-            <pc:docMk/>
-            <pc:sldMk cId="0" sldId="257"/>
-            <ac:spMk id="5" creationId="{F74B2EF6-C10C-7ADE-E4E5-FA485BF2284E}"/>
-          </ac:spMkLst>
-        </pc:spChg>
-        <pc:spChg chg="mod">
-          <ac:chgData name="Riccardo Berta" userId="c8694f89-bba4-4576-b0a8-456619ca5a8c" providerId="ADAL" clId="{FDDBFC5A-5EA9-5330-BEB8-433D7E3B4C4E}" dt="2025-09-18T11:35:42.384" v="269" actId="1076"/>
-          <ac:spMkLst>
-            <pc:docMk/>
-            <pc:sldMk cId="0" sldId="257"/>
-            <ac:spMk id="6" creationId="{969D3430-6173-9A7C-80A8-8A79A8A46751}"/>
-          </ac:spMkLst>
-        </pc:spChg>
-        <pc:spChg chg="mod">
-          <ac:chgData name="Riccardo Berta" userId="c8694f89-bba4-4576-b0a8-456619ca5a8c" providerId="ADAL" clId="{FDDBFC5A-5EA9-5330-BEB8-433D7E3B4C4E}" dt="2025-09-18T11:35:42.384" v="269" actId="1076"/>
-          <ac:spMkLst>
-            <pc:docMk/>
-            <pc:sldMk cId="0" sldId="257"/>
-            <ac:spMk id="7" creationId="{9DB2F31E-FE0F-46D9-5022-A30E503B5298}"/>
-          </ac:spMkLst>
-        </pc:spChg>
-        <pc:spChg chg="mod">
-          <ac:chgData name="Riccardo Berta" userId="c8694f89-bba4-4576-b0a8-456619ca5a8c" providerId="ADAL" clId="{FDDBFC5A-5EA9-5330-BEB8-433D7E3B4C4E}" dt="2025-09-18T09:26:29.554" v="235" actId="20577"/>
-          <ac:spMkLst>
-            <pc:docMk/>
-            <pc:sldMk cId="0" sldId="257"/>
-            <ac:spMk id="83" creationId="{00000000-0000-0000-0000-000000000000}"/>
-          </ac:spMkLst>
-        </pc:spChg>
-        <pc:spChg chg="mod">
-          <ac:chgData name="Riccardo Berta" userId="c8694f89-bba4-4576-b0a8-456619ca5a8c" providerId="ADAL" clId="{FDDBFC5A-5EA9-5330-BEB8-433D7E3B4C4E}" dt="2025-09-18T11:35:42.384" v="269" actId="1076"/>
-          <ac:spMkLst>
-            <pc:docMk/>
-            <pc:sldMk cId="0" sldId="257"/>
-            <ac:spMk id="84" creationId="{00000000-0000-0000-0000-000000000000}"/>
-          </ac:spMkLst>
-        </pc:spChg>
-      </pc:sldChg>
-      <pc:sldChg chg="modSp mod">
-        <pc:chgData name="Riccardo Berta" userId="c8694f89-bba4-4576-b0a8-456619ca5a8c" providerId="ADAL" clId="{FDDBFC5A-5EA9-5330-BEB8-433D7E3B4C4E}" dt="2025-09-23T11:40:58.127" v="2698" actId="1076"/>
-        <pc:sldMkLst>
-          <pc:docMk/>
-          <pc:sldMk cId="3018556184" sldId="259"/>
-        </pc:sldMkLst>
-        <pc:spChg chg="mod">
-          <ac:chgData name="Riccardo Berta" userId="c8694f89-bba4-4576-b0a8-456619ca5a8c" providerId="ADAL" clId="{FDDBFC5A-5EA9-5330-BEB8-433D7E3B4C4E}" dt="2025-09-23T11:40:58.127" v="2698" actId="1076"/>
-          <ac:spMkLst>
-            <pc:docMk/>
-            <pc:sldMk cId="3018556184" sldId="259"/>
-            <ac:spMk id="3" creationId="{38BFAA1C-1163-169B-2D77-6FEF73CC8512}"/>
-          </ac:spMkLst>
-        </pc:spChg>
-      </pc:sldChg>
-      <pc:sldChg chg="addSp delSp modSp mod">
-        <pc:chgData name="Riccardo Berta" userId="c8694f89-bba4-4576-b0a8-456619ca5a8c" providerId="ADAL" clId="{FDDBFC5A-5EA9-5330-BEB8-433D7E3B4C4E}" dt="2025-09-19T08:32:30.232" v="340" actId="1076"/>
-        <pc:sldMkLst>
-          <pc:docMk/>
-          <pc:sldMk cId="3239712184" sldId="260"/>
-        </pc:sldMkLst>
-        <pc:spChg chg="mod">
-          <ac:chgData name="Riccardo Berta" userId="c8694f89-bba4-4576-b0a8-456619ca5a8c" providerId="ADAL" clId="{FDDBFC5A-5EA9-5330-BEB8-433D7E3B4C4E}" dt="2025-09-19T07:22:14.668" v="317" actId="20577"/>
-          <ac:spMkLst>
-            <pc:docMk/>
-            <pc:sldMk cId="3239712184" sldId="260"/>
-            <ac:spMk id="84" creationId="{00000000-0000-0000-0000-000000000000}"/>
-          </ac:spMkLst>
-        </pc:spChg>
-        <pc:picChg chg="add mod">
-          <ac:chgData name="Riccardo Berta" userId="c8694f89-bba4-4576-b0a8-456619ca5a8c" providerId="ADAL" clId="{FDDBFC5A-5EA9-5330-BEB8-433D7E3B4C4E}" dt="2025-09-19T08:32:30.232" v="340" actId="1076"/>
-          <ac:picMkLst>
-            <pc:docMk/>
-            <pc:sldMk cId="3239712184" sldId="260"/>
-            <ac:picMk id="5" creationId="{05801E65-0963-39ED-B67F-07C6206263EF}"/>
-          </ac:picMkLst>
-        </pc:picChg>
-      </pc:sldChg>
-      <pc:sldChg chg="addSp delSp modSp mod">
-        <pc:chgData name="Riccardo Berta" userId="c8694f89-bba4-4576-b0a8-456619ca5a8c" providerId="ADAL" clId="{FDDBFC5A-5EA9-5330-BEB8-433D7E3B4C4E}" dt="2025-09-19T07:22:52.733" v="327" actId="20577"/>
-        <pc:sldMkLst>
-          <pc:docMk/>
-          <pc:sldMk cId="723946338" sldId="261"/>
-        </pc:sldMkLst>
-        <pc:spChg chg="mod">
-          <ac:chgData name="Riccardo Berta" userId="c8694f89-bba4-4576-b0a8-456619ca5a8c" providerId="ADAL" clId="{FDDBFC5A-5EA9-5330-BEB8-433D7E3B4C4E}" dt="2025-09-19T07:22:52.733" v="327" actId="20577"/>
-          <ac:spMkLst>
-            <pc:docMk/>
-            <pc:sldMk cId="723946338" sldId="261"/>
-            <ac:spMk id="84" creationId="{00000000-0000-0000-0000-000000000000}"/>
-          </ac:spMkLst>
-        </pc:spChg>
-        <pc:picChg chg="add mod">
-          <ac:chgData name="Riccardo Berta" userId="c8694f89-bba4-4576-b0a8-456619ca5a8c" providerId="ADAL" clId="{FDDBFC5A-5EA9-5330-BEB8-433D7E3B4C4E}" dt="2025-09-19T07:22:50.479" v="323" actId="1076"/>
-          <ac:picMkLst>
-            <pc:docMk/>
-            <pc:sldMk cId="723946338" sldId="261"/>
-            <ac:picMk id="16" creationId="{2A7937D2-199B-7CFB-80EA-A22716AA25CB}"/>
-          </ac:picMkLst>
-        </pc:picChg>
-      </pc:sldChg>
-      <pc:sldChg chg="addSp delSp modSp mod">
-        <pc:chgData name="Riccardo Berta" userId="c8694f89-bba4-4576-b0a8-456619ca5a8c" providerId="ADAL" clId="{FDDBFC5A-5EA9-5330-BEB8-433D7E3B4C4E}" dt="2025-09-23T11:41:08.036" v="2699" actId="14100"/>
-        <pc:sldMkLst>
-          <pc:docMk/>
-          <pc:sldMk cId="1167696200" sldId="262"/>
-        </pc:sldMkLst>
-        <pc:spChg chg="mod">
-          <ac:chgData name="Riccardo Berta" userId="c8694f89-bba4-4576-b0a8-456619ca5a8c" providerId="ADAL" clId="{FDDBFC5A-5EA9-5330-BEB8-433D7E3B4C4E}" dt="2025-09-19T08:01:29.119" v="331" actId="20577"/>
-          <ac:spMkLst>
-            <pc:docMk/>
-            <pc:sldMk cId="1167696200" sldId="262"/>
-            <ac:spMk id="83" creationId="{00000000-0000-0000-0000-000000000000}"/>
-          </ac:spMkLst>
-        </pc:spChg>
-        <pc:spChg chg="mod">
-          <ac:chgData name="Riccardo Berta" userId="c8694f89-bba4-4576-b0a8-456619ca5a8c" providerId="ADAL" clId="{FDDBFC5A-5EA9-5330-BEB8-433D7E3B4C4E}" dt="2025-09-19T08:43:30.303" v="414" actId="404"/>
-          <ac:spMkLst>
-            <pc:docMk/>
-            <pc:sldMk cId="1167696200" sldId="262"/>
-            <ac:spMk id="84" creationId="{00000000-0000-0000-0000-000000000000}"/>
-          </ac:spMkLst>
-        </pc:spChg>
-        <pc:picChg chg="add mod">
-          <ac:chgData name="Riccardo Berta" userId="c8694f89-bba4-4576-b0a8-456619ca5a8c" providerId="ADAL" clId="{FDDBFC5A-5EA9-5330-BEB8-433D7E3B4C4E}" dt="2025-09-23T11:41:08.036" v="2699" actId="14100"/>
-          <ac:picMkLst>
-            <pc:docMk/>
-            <pc:sldMk cId="1167696200" sldId="262"/>
-            <ac:picMk id="4" creationId="{60512130-F596-AA0B-D74C-5595377B126D}"/>
-          </ac:picMkLst>
-        </pc:picChg>
-      </pc:sldChg>
-      <pc:sldChg chg="del">
-        <pc:chgData name="Riccardo Berta" userId="c8694f89-bba4-4576-b0a8-456619ca5a8c" providerId="ADAL" clId="{FDDBFC5A-5EA9-5330-BEB8-433D7E3B4C4E}" dt="2025-09-23T11:04:00.674" v="2628" actId="2696"/>
-        <pc:sldMkLst>
-          <pc:docMk/>
-          <pc:sldMk cId="1817587258" sldId="263"/>
-        </pc:sldMkLst>
-      </pc:sldChg>
-      <pc:sldChg chg="addSp delSp modSp mod">
-        <pc:chgData name="Riccardo Berta" userId="c8694f89-bba4-4576-b0a8-456619ca5a8c" providerId="ADAL" clId="{FDDBFC5A-5EA9-5330-BEB8-433D7E3B4C4E}" dt="2025-09-19T11:37:19.764" v="535" actId="1076"/>
-        <pc:sldMkLst>
-          <pc:docMk/>
-          <pc:sldMk cId="577690146" sldId="264"/>
-        </pc:sldMkLst>
-        <pc:spChg chg="mod">
-          <ac:chgData name="Riccardo Berta" userId="c8694f89-bba4-4576-b0a8-456619ca5a8c" providerId="ADAL" clId="{FDDBFC5A-5EA9-5330-BEB8-433D7E3B4C4E}" dt="2025-09-19T11:37:16.376" v="534" actId="1076"/>
-          <ac:spMkLst>
-            <pc:docMk/>
-            <pc:sldMk cId="577690146" sldId="264"/>
-            <ac:spMk id="84" creationId="{00000000-0000-0000-0000-000000000000}"/>
-          </ac:spMkLst>
-        </pc:spChg>
-        <pc:picChg chg="add mod">
-          <ac:chgData name="Riccardo Berta" userId="c8694f89-bba4-4576-b0a8-456619ca5a8c" providerId="ADAL" clId="{FDDBFC5A-5EA9-5330-BEB8-433D7E3B4C4E}" dt="2025-09-19T11:37:19.764" v="535" actId="1076"/>
-          <ac:picMkLst>
-            <pc:docMk/>
-            <pc:sldMk cId="577690146" sldId="264"/>
-            <ac:picMk id="3" creationId="{E7929392-2630-02F8-8B4C-BD7B57208D31}"/>
-          </ac:picMkLst>
-        </pc:picChg>
-      </pc:sldChg>
-      <pc:sldChg chg="addSp delSp modSp mod">
-        <pc:chgData name="Riccardo Berta" userId="c8694f89-bba4-4576-b0a8-456619ca5a8c" providerId="ADAL" clId="{FDDBFC5A-5EA9-5330-BEB8-433D7E3B4C4E}" dt="2025-09-19T11:54:39.704" v="686" actId="1036"/>
-        <pc:sldMkLst>
-          <pc:docMk/>
-          <pc:sldMk cId="2692772026" sldId="265"/>
-        </pc:sldMkLst>
-        <pc:spChg chg="mod">
-          <ac:chgData name="Riccardo Berta" userId="c8694f89-bba4-4576-b0a8-456619ca5a8c" providerId="ADAL" clId="{FDDBFC5A-5EA9-5330-BEB8-433D7E3B4C4E}" dt="2025-09-19T11:54:34.377" v="681" actId="403"/>
-          <ac:spMkLst>
-            <pc:docMk/>
-            <pc:sldMk cId="2692772026" sldId="265"/>
-            <ac:spMk id="84" creationId="{00000000-0000-0000-0000-000000000000}"/>
-          </ac:spMkLst>
-        </pc:spChg>
-        <pc:picChg chg="add mod">
-          <ac:chgData name="Riccardo Berta" userId="c8694f89-bba4-4576-b0a8-456619ca5a8c" providerId="ADAL" clId="{FDDBFC5A-5EA9-5330-BEB8-433D7E3B4C4E}" dt="2025-09-19T11:47:53.647" v="552" actId="1076"/>
-          <ac:picMkLst>
-            <pc:docMk/>
-            <pc:sldMk cId="2692772026" sldId="265"/>
-            <ac:picMk id="4" creationId="{BB0499B8-2E1E-6176-01D4-0ED0ACD6ED66}"/>
-          </ac:picMkLst>
-        </pc:picChg>
-        <pc:picChg chg="add mod">
-          <ac:chgData name="Riccardo Berta" userId="c8694f89-bba4-4576-b0a8-456619ca5a8c" providerId="ADAL" clId="{FDDBFC5A-5EA9-5330-BEB8-433D7E3B4C4E}" dt="2025-09-19T11:54:38.762" v="684" actId="1036"/>
-          <ac:picMkLst>
-            <pc:docMk/>
-            <pc:sldMk cId="2692772026" sldId="265"/>
-            <ac:picMk id="6" creationId="{A972BB6C-FB77-3768-F25B-527337ABE68F}"/>
-          </ac:picMkLst>
-        </pc:picChg>
-        <pc:picChg chg="add mod">
-          <ac:chgData name="Riccardo Berta" userId="c8694f89-bba4-4576-b0a8-456619ca5a8c" providerId="ADAL" clId="{FDDBFC5A-5EA9-5330-BEB8-433D7E3B4C4E}" dt="2025-09-19T11:54:39.704" v="686" actId="1036"/>
-          <ac:picMkLst>
-            <pc:docMk/>
-            <pc:sldMk cId="2692772026" sldId="265"/>
-            <ac:picMk id="9" creationId="{1DDDF62B-4FAB-A271-1B20-8990CA0D43BB}"/>
-          </ac:picMkLst>
-        </pc:picChg>
-      </pc:sldChg>
-      <pc:sldChg chg="addSp delSp modSp mod">
-        <pc:chgData name="Riccardo Berta" userId="c8694f89-bba4-4576-b0a8-456619ca5a8c" providerId="ADAL" clId="{FDDBFC5A-5EA9-5330-BEB8-433D7E3B4C4E}" dt="2025-09-19T12:16:21.521" v="759" actId="1076"/>
-        <pc:sldMkLst>
-          <pc:docMk/>
-          <pc:sldMk cId="2331383298" sldId="266"/>
-        </pc:sldMkLst>
-        <pc:spChg chg="mod">
-          <ac:chgData name="Riccardo Berta" userId="c8694f89-bba4-4576-b0a8-456619ca5a8c" providerId="ADAL" clId="{FDDBFC5A-5EA9-5330-BEB8-433D7E3B4C4E}" dt="2025-09-19T12:08:50.560" v="754" actId="404"/>
-          <ac:spMkLst>
-            <pc:docMk/>
-            <pc:sldMk cId="2331383298" sldId="266"/>
-            <ac:spMk id="84" creationId="{00000000-0000-0000-0000-000000000000}"/>
-          </ac:spMkLst>
-        </pc:spChg>
-        <pc:picChg chg="add mod">
-          <ac:chgData name="Riccardo Berta" userId="c8694f89-bba4-4576-b0a8-456619ca5a8c" providerId="ADAL" clId="{FDDBFC5A-5EA9-5330-BEB8-433D7E3B4C4E}" dt="2025-09-19T12:08:16.740" v="737" actId="1035"/>
-          <ac:picMkLst>
-            <pc:docMk/>
-            <pc:sldMk cId="2331383298" sldId="266"/>
-            <ac:picMk id="8" creationId="{FF7394C5-69BA-0304-CBC2-93BE8CF61222}"/>
-          </ac:picMkLst>
-        </pc:picChg>
-        <pc:picChg chg="add mod">
-          <ac:chgData name="Riccardo Berta" userId="c8694f89-bba4-4576-b0a8-456619ca5a8c" providerId="ADAL" clId="{FDDBFC5A-5EA9-5330-BEB8-433D7E3B4C4E}" dt="2025-09-19T12:08:16.740" v="737" actId="1035"/>
-          <ac:picMkLst>
-            <pc:docMk/>
-            <pc:sldMk cId="2331383298" sldId="266"/>
-            <ac:picMk id="9" creationId="{2F70D234-CCB2-54F8-033F-B29B8E8EEE76}"/>
-          </ac:picMkLst>
-        </pc:picChg>
-        <pc:picChg chg="add mod">
-          <ac:chgData name="Riccardo Berta" userId="c8694f89-bba4-4576-b0a8-456619ca5a8c" providerId="ADAL" clId="{FDDBFC5A-5EA9-5330-BEB8-433D7E3B4C4E}" dt="2025-09-19T12:16:21.521" v="759" actId="1076"/>
-          <ac:picMkLst>
-            <pc:docMk/>
-            <pc:sldMk cId="2331383298" sldId="266"/>
-            <ac:picMk id="10" creationId="{B60DA961-6AB8-E0DE-FF6E-8E74D78D8565}"/>
-          </ac:picMkLst>
-        </pc:picChg>
-        <pc:picChg chg="add mod">
-          <ac:chgData name="Riccardo Berta" userId="c8694f89-bba4-4576-b0a8-456619ca5a8c" providerId="ADAL" clId="{FDDBFC5A-5EA9-5330-BEB8-433D7E3B4C4E}" dt="2025-09-19T12:16:21.521" v="759" actId="1076"/>
-          <ac:picMkLst>
-            <pc:docMk/>
-            <pc:sldMk cId="2331383298" sldId="266"/>
-            <ac:picMk id="11" creationId="{DD39E2A5-A32C-3261-9802-3712EF7E456E}"/>
-          </ac:picMkLst>
-        </pc:picChg>
-      </pc:sldChg>
-      <pc:sldChg chg="addSp delSp modSp mod">
-        <pc:chgData name="Riccardo Berta" userId="c8694f89-bba4-4576-b0a8-456619ca5a8c" providerId="ADAL" clId="{FDDBFC5A-5EA9-5330-BEB8-433D7E3B4C4E}" dt="2025-09-19T12:26:04.888" v="897" actId="33524"/>
-        <pc:sldMkLst>
-          <pc:docMk/>
-          <pc:sldMk cId="2963521549" sldId="267"/>
-        </pc:sldMkLst>
-        <pc:spChg chg="mod">
-          <ac:chgData name="Riccardo Berta" userId="c8694f89-bba4-4576-b0a8-456619ca5a8c" providerId="ADAL" clId="{FDDBFC5A-5EA9-5330-BEB8-433D7E3B4C4E}" dt="2025-09-19T12:26:04.888" v="897" actId="33524"/>
-          <ac:spMkLst>
-            <pc:docMk/>
-            <pc:sldMk cId="2963521549" sldId="267"/>
-            <ac:spMk id="84" creationId="{00000000-0000-0000-0000-000000000000}"/>
-          </ac:spMkLst>
-        </pc:spChg>
-        <pc:picChg chg="add mod">
-          <ac:chgData name="Riccardo Berta" userId="c8694f89-bba4-4576-b0a8-456619ca5a8c" providerId="ADAL" clId="{FDDBFC5A-5EA9-5330-BEB8-433D7E3B4C4E}" dt="2025-09-19T12:23:32.648" v="863" actId="1076"/>
-          <ac:picMkLst>
-            <pc:docMk/>
-            <pc:sldMk cId="2963521549" sldId="267"/>
-            <ac:picMk id="6" creationId="{6D7266E8-5B58-86F1-EB9C-EF32578ACE53}"/>
-          </ac:picMkLst>
-        </pc:picChg>
-        <pc:picChg chg="add mod">
-          <ac:chgData name="Riccardo Berta" userId="c8694f89-bba4-4576-b0a8-456619ca5a8c" providerId="ADAL" clId="{FDDBFC5A-5EA9-5330-BEB8-433D7E3B4C4E}" dt="2025-09-19T12:25:28.315" v="891" actId="1076"/>
-          <ac:picMkLst>
-            <pc:docMk/>
-            <pc:sldMk cId="2963521549" sldId="267"/>
-            <ac:picMk id="11" creationId="{574CB5A2-40EB-1E56-4625-9093C446A469}"/>
-          </ac:picMkLst>
-        </pc:picChg>
-        <pc:picChg chg="add mod">
-          <ac:chgData name="Riccardo Berta" userId="c8694f89-bba4-4576-b0a8-456619ca5a8c" providerId="ADAL" clId="{FDDBFC5A-5EA9-5330-BEB8-433D7E3B4C4E}" dt="2025-09-19T12:25:52.793" v="895" actId="1076"/>
-          <ac:picMkLst>
-            <pc:docMk/>
-            <pc:sldMk cId="2963521549" sldId="267"/>
-            <ac:picMk id="12" creationId="{0DFFE8D7-93C0-D3A8-B36E-604C5746E089}"/>
-          </ac:picMkLst>
-        </pc:picChg>
-      </pc:sldChg>
-      <pc:sldChg chg="addSp delSp modSp mod">
-        <pc:chgData name="Riccardo Berta" userId="c8694f89-bba4-4576-b0a8-456619ca5a8c" providerId="ADAL" clId="{FDDBFC5A-5EA9-5330-BEB8-433D7E3B4C4E}" dt="2025-09-22T11:44:34.089" v="1357" actId="14100"/>
-        <pc:sldMkLst>
-          <pc:docMk/>
-          <pc:sldMk cId="2177167453" sldId="268"/>
-        </pc:sldMkLst>
-        <pc:spChg chg="mod">
-          <ac:chgData name="Riccardo Berta" userId="c8694f89-bba4-4576-b0a8-456619ca5a8c" providerId="ADAL" clId="{FDDBFC5A-5EA9-5330-BEB8-433D7E3B4C4E}" dt="2025-09-19T13:01:51.730" v="1032" actId="20577"/>
-          <ac:spMkLst>
-            <pc:docMk/>
-            <pc:sldMk cId="2177167453" sldId="268"/>
-            <ac:spMk id="84" creationId="{00000000-0000-0000-0000-000000000000}"/>
-          </ac:spMkLst>
-        </pc:spChg>
-        <pc:picChg chg="add mod">
-          <ac:chgData name="Riccardo Berta" userId="c8694f89-bba4-4576-b0a8-456619ca5a8c" providerId="ADAL" clId="{FDDBFC5A-5EA9-5330-BEB8-433D7E3B4C4E}" dt="2025-09-22T11:44:34.089" v="1357" actId="14100"/>
-          <ac:picMkLst>
-            <pc:docMk/>
-            <pc:sldMk cId="2177167453" sldId="268"/>
-            <ac:picMk id="3" creationId="{90DC2FA8-9BDF-325D-F098-373A4EC2E7DB}"/>
-          </ac:picMkLst>
-        </pc:picChg>
-      </pc:sldChg>
-      <pc:sldChg chg="delSp modSp add del mod">
-        <pc:chgData name="Riccardo Berta" userId="c8694f89-bba4-4576-b0a8-456619ca5a8c" providerId="ADAL" clId="{FDDBFC5A-5EA9-5330-BEB8-433D7E3B4C4E}" dt="2025-09-22T11:44:11.754" v="1344" actId="2696"/>
-        <pc:sldMkLst>
-          <pc:docMk/>
-          <pc:sldMk cId="511811827" sldId="269"/>
-        </pc:sldMkLst>
-        <pc:spChg chg="mod">
-          <ac:chgData name="Riccardo Berta" userId="c8694f89-bba4-4576-b0a8-456619ca5a8c" providerId="ADAL" clId="{FDDBFC5A-5EA9-5330-BEB8-433D7E3B4C4E}" dt="2025-09-22T10:00:54.428" v="1264" actId="20577"/>
-          <ac:spMkLst>
-            <pc:docMk/>
-            <pc:sldMk cId="511811827" sldId="269"/>
-            <ac:spMk id="83" creationId="{00000000-0000-0000-0000-000000000000}"/>
-          </ac:spMkLst>
-        </pc:spChg>
-        <pc:spChg chg="mod">
-          <ac:chgData name="Riccardo Berta" userId="c8694f89-bba4-4576-b0a8-456619ca5a8c" providerId="ADAL" clId="{FDDBFC5A-5EA9-5330-BEB8-433D7E3B4C4E}" dt="2025-09-22T10:00:59.757" v="1265" actId="20577"/>
-          <ac:spMkLst>
-            <pc:docMk/>
-            <pc:sldMk cId="511811827" sldId="269"/>
-            <ac:spMk id="84" creationId="{00000000-0000-0000-0000-000000000000}"/>
-          </ac:spMkLst>
-        </pc:spChg>
-      </pc:sldChg>
-      <pc:sldChg chg="addSp delSp modSp mod">
-        <pc:chgData name="Riccardo Berta" userId="c8694f89-bba4-4576-b0a8-456619ca5a8c" providerId="ADAL" clId="{FDDBFC5A-5EA9-5330-BEB8-433D7E3B4C4E}" dt="2025-09-22T12:27:39.453" v="1527" actId="1076"/>
-        <pc:sldMkLst>
-          <pc:docMk/>
-          <pc:sldMk cId="2576489988" sldId="270"/>
-        </pc:sldMkLst>
-        <pc:spChg chg="mod">
-          <ac:chgData name="Riccardo Berta" userId="c8694f89-bba4-4576-b0a8-456619ca5a8c" providerId="ADAL" clId="{FDDBFC5A-5EA9-5330-BEB8-433D7E3B4C4E}" dt="2025-09-22T12:01:04.941" v="1460" actId="20577"/>
-          <ac:spMkLst>
-            <pc:docMk/>
-            <pc:sldMk cId="2576489988" sldId="270"/>
-            <ac:spMk id="83" creationId="{00000000-0000-0000-0000-000000000000}"/>
-          </ac:spMkLst>
-        </pc:spChg>
-        <pc:spChg chg="mod">
-          <ac:chgData name="Riccardo Berta" userId="c8694f89-bba4-4576-b0a8-456619ca5a8c" providerId="ADAL" clId="{FDDBFC5A-5EA9-5330-BEB8-433D7E3B4C4E}" dt="2025-09-22T12:27:21.582" v="1523" actId="404"/>
-          <ac:spMkLst>
-            <pc:docMk/>
-            <pc:sldMk cId="2576489988" sldId="270"/>
-            <ac:spMk id="84" creationId="{00000000-0000-0000-0000-000000000000}"/>
-          </ac:spMkLst>
-        </pc:spChg>
-        <pc:picChg chg="add del">
-          <ac:chgData name="Riccardo Berta" userId="c8694f89-bba4-4576-b0a8-456619ca5a8c" providerId="ADAL" clId="{FDDBFC5A-5EA9-5330-BEB8-433D7E3B4C4E}" dt="2025-09-22T12:24:15.122" v="1469" actId="478"/>
-          <ac:picMkLst>
-            <pc:docMk/>
-            <pc:sldMk cId="2576489988" sldId="270"/>
-            <ac:picMk id="2" creationId="{7F8C6CF5-5135-EA17-7AA1-1DB5BF081AD2}"/>
-          </ac:picMkLst>
-        </pc:picChg>
-        <pc:picChg chg="add del">
-          <ac:chgData name="Riccardo Berta" userId="c8694f89-bba4-4576-b0a8-456619ca5a8c" providerId="ADAL" clId="{FDDBFC5A-5EA9-5330-BEB8-433D7E3B4C4E}" dt="2025-09-22T12:09:43.531" v="1465" actId="478"/>
-          <ac:picMkLst>
-            <pc:docMk/>
-            <pc:sldMk cId="2576489988" sldId="270"/>
-            <ac:picMk id="3" creationId="{9DC1F34C-CE8C-FAEE-D496-E3B343649B12}"/>
-          </ac:picMkLst>
-        </pc:picChg>
-        <pc:picChg chg="del">
-          <ac:chgData name="Riccardo Berta" userId="c8694f89-bba4-4576-b0a8-456619ca5a8c" providerId="ADAL" clId="{FDDBFC5A-5EA9-5330-BEB8-433D7E3B4C4E}" dt="2025-09-22T12:24:11.027" v="1466" actId="478"/>
-          <ac:picMkLst>
-            <pc:docMk/>
-            <pc:sldMk cId="2576489988" sldId="270"/>
-            <ac:picMk id="4" creationId="{D9C9D499-E3AB-B9B4-E8D3-8149009D7B27}"/>
-          </ac:picMkLst>
-        </pc:picChg>
-        <pc:picChg chg="del">
-          <ac:chgData name="Riccardo Berta" userId="c8694f89-bba4-4576-b0a8-456619ca5a8c" providerId="ADAL" clId="{FDDBFC5A-5EA9-5330-BEB8-433D7E3B4C4E}" dt="2025-09-22T12:24:11.027" v="1466" actId="478"/>
-          <ac:picMkLst>
-            <pc:docMk/>
-            <pc:sldMk cId="2576489988" sldId="270"/>
-            <ac:picMk id="5" creationId="{03D24F82-4EA9-F283-B21F-B59E47493EC4}"/>
-          </ac:picMkLst>
-        </pc:picChg>
-        <pc:picChg chg="del">
-          <ac:chgData name="Riccardo Berta" userId="c8694f89-bba4-4576-b0a8-456619ca5a8c" providerId="ADAL" clId="{FDDBFC5A-5EA9-5330-BEB8-433D7E3B4C4E}" dt="2025-09-22T12:24:12.705" v="1467" actId="478"/>
-          <ac:picMkLst>
-            <pc:docMk/>
-            <pc:sldMk cId="2576489988" sldId="270"/>
-            <ac:picMk id="6" creationId="{29651392-FFB0-A1D5-B6CC-C4D5923095FC}"/>
-          </ac:picMkLst>
-        </pc:picChg>
-        <pc:picChg chg="del">
-          <ac:chgData name="Riccardo Berta" userId="c8694f89-bba4-4576-b0a8-456619ca5a8c" providerId="ADAL" clId="{FDDBFC5A-5EA9-5330-BEB8-433D7E3B4C4E}" dt="2025-09-22T12:24:13.474" v="1468" actId="478"/>
-          <ac:picMkLst>
-            <pc:docMk/>
-            <pc:sldMk cId="2576489988" sldId="270"/>
-            <ac:picMk id="7" creationId="{C10ECEE5-7CFC-6266-EFE0-9FD9F700B2F6}"/>
-          </ac:picMkLst>
-        </pc:picChg>
-        <pc:picChg chg="add mod">
-          <ac:chgData name="Riccardo Berta" userId="c8694f89-bba4-4576-b0a8-456619ca5a8c" providerId="ADAL" clId="{FDDBFC5A-5EA9-5330-BEB8-433D7E3B4C4E}" dt="2025-09-22T12:27:13.687" v="1520" actId="1035"/>
-          <ac:picMkLst>
-            <pc:docMk/>
-            <pc:sldMk cId="2576489988" sldId="270"/>
-            <ac:picMk id="8" creationId="{00F45EFB-DEB6-E0CA-2E31-A41010551A52}"/>
-          </ac:picMkLst>
-        </pc:picChg>
-        <pc:picChg chg="add mod">
-          <ac:chgData name="Riccardo Berta" userId="c8694f89-bba4-4576-b0a8-456619ca5a8c" providerId="ADAL" clId="{FDDBFC5A-5EA9-5330-BEB8-433D7E3B4C4E}" dt="2025-09-22T12:27:39.453" v="1527" actId="1076"/>
-          <ac:picMkLst>
-            <pc:docMk/>
-            <pc:sldMk cId="2576489988" sldId="270"/>
-            <ac:picMk id="9" creationId="{EE91B440-3D10-3C1A-4804-838425C8B066}"/>
-          </ac:picMkLst>
-        </pc:picChg>
-      </pc:sldChg>
-      <pc:sldChg chg="addSp delSp modSp mod">
-        <pc:chgData name="Riccardo Berta" userId="c8694f89-bba4-4576-b0a8-456619ca5a8c" providerId="ADAL" clId="{FDDBFC5A-5EA9-5330-BEB8-433D7E3B4C4E}" dt="2025-09-22T14:38:21.170" v="1587" actId="1076"/>
-        <pc:sldMkLst>
-          <pc:docMk/>
-          <pc:sldMk cId="877961355" sldId="271"/>
-        </pc:sldMkLst>
-        <pc:spChg chg="del">
-          <ac:chgData name="Riccardo Berta" userId="c8694f89-bba4-4576-b0a8-456619ca5a8c" providerId="ADAL" clId="{FDDBFC5A-5EA9-5330-BEB8-433D7E3B4C4E}" dt="2025-09-22T14:37:48.089" v="1546" actId="478"/>
-          <ac:spMkLst>
-            <pc:docMk/>
-            <pc:sldMk cId="877961355" sldId="271"/>
-            <ac:spMk id="2" creationId="{4AA13EDC-8472-B94B-0D7B-C32B30979106}"/>
-          </ac:spMkLst>
-        </pc:spChg>
-        <pc:spChg chg="del">
-          <ac:chgData name="Riccardo Berta" userId="c8694f89-bba4-4576-b0a8-456619ca5a8c" providerId="ADAL" clId="{FDDBFC5A-5EA9-5330-BEB8-433D7E3B4C4E}" dt="2025-09-22T14:37:43.350" v="1544" actId="478"/>
-          <ac:spMkLst>
-            <pc:docMk/>
-            <pc:sldMk cId="877961355" sldId="271"/>
-            <ac:spMk id="5" creationId="{BD20C7FA-3A37-7E2A-D3E0-0703ACBAFC8C}"/>
-          </ac:spMkLst>
-        </pc:spChg>
-        <pc:spChg chg="del">
-          <ac:chgData name="Riccardo Berta" userId="c8694f89-bba4-4576-b0a8-456619ca5a8c" providerId="ADAL" clId="{FDDBFC5A-5EA9-5330-BEB8-433D7E3B4C4E}" dt="2025-09-22T14:37:51.630" v="1547" actId="478"/>
-          <ac:spMkLst>
-            <pc:docMk/>
-            <pc:sldMk cId="877961355" sldId="271"/>
-            <ac:spMk id="6" creationId="{9706568B-3D78-AE10-BF2E-E71220C10B7A}"/>
-          </ac:spMkLst>
-        </pc:spChg>
-        <pc:spChg chg="del">
-          <ac:chgData name="Riccardo Berta" userId="c8694f89-bba4-4576-b0a8-456619ca5a8c" providerId="ADAL" clId="{FDDBFC5A-5EA9-5330-BEB8-433D7E3B4C4E}" dt="2025-09-22T14:37:52.696" v="1548" actId="478"/>
-          <ac:spMkLst>
-            <pc:docMk/>
-            <pc:sldMk cId="877961355" sldId="271"/>
-            <ac:spMk id="7" creationId="{C8CE10C2-0575-F16E-0A0D-A154E8B38D10}"/>
-          </ac:spMkLst>
-        </pc:spChg>
-        <pc:spChg chg="add del">
-          <ac:chgData name="Riccardo Berta" userId="c8694f89-bba4-4576-b0a8-456619ca5a8c" providerId="ADAL" clId="{FDDBFC5A-5EA9-5330-BEB8-433D7E3B4C4E}" dt="2025-09-22T14:37:08.956" v="1530" actId="22"/>
-          <ac:spMkLst>
-            <pc:docMk/>
-            <pc:sldMk cId="877961355" sldId="271"/>
-            <ac:spMk id="8" creationId="{C0701206-B46D-75BB-EDEA-0D59F17CA1FE}"/>
-          </ac:spMkLst>
-        </pc:spChg>
-        <pc:spChg chg="mod">
-          <ac:chgData name="Riccardo Berta" userId="c8694f89-bba4-4576-b0a8-456619ca5a8c" providerId="ADAL" clId="{FDDBFC5A-5EA9-5330-BEB8-433D7E3B4C4E}" dt="2025-09-22T14:38:17.715" v="1586" actId="20577"/>
-          <ac:spMkLst>
-            <pc:docMk/>
-            <pc:sldMk cId="877961355" sldId="271"/>
-            <ac:spMk id="84" creationId="{00000000-0000-0000-0000-000000000000}"/>
-          </ac:spMkLst>
-        </pc:spChg>
-        <pc:picChg chg="del">
-          <ac:chgData name="Riccardo Berta" userId="c8694f89-bba4-4576-b0a8-456619ca5a8c" providerId="ADAL" clId="{FDDBFC5A-5EA9-5330-BEB8-433D7E3B4C4E}" dt="2025-09-22T14:37:05.442" v="1528" actId="478"/>
-          <ac:picMkLst>
-            <pc:docMk/>
-            <pc:sldMk cId="877961355" sldId="271"/>
-            <ac:picMk id="3" creationId="{A9BA1127-940B-4398-114A-74D2AD1503A2}"/>
-          </ac:picMkLst>
-        </pc:picChg>
-        <pc:picChg chg="add mod">
-          <ac:chgData name="Riccardo Berta" userId="c8694f89-bba4-4576-b0a8-456619ca5a8c" providerId="ADAL" clId="{FDDBFC5A-5EA9-5330-BEB8-433D7E3B4C4E}" dt="2025-09-22T14:38:21.170" v="1587" actId="1076"/>
-          <ac:picMkLst>
-            <pc:docMk/>
-            <pc:sldMk cId="877961355" sldId="271"/>
-            <ac:picMk id="9" creationId="{8E5A14FC-4681-FE2C-9B7E-82D94FA44364}"/>
-          </ac:picMkLst>
-        </pc:picChg>
-      </pc:sldChg>
-      <pc:sldChg chg="addSp delSp modSp mod">
-        <pc:chgData name="Riccardo Berta" userId="c8694f89-bba4-4576-b0a8-456619ca5a8c" providerId="ADAL" clId="{FDDBFC5A-5EA9-5330-BEB8-433D7E3B4C4E}" dt="2025-09-22T15:13:34.082" v="2004" actId="948"/>
-        <pc:sldMkLst>
-          <pc:docMk/>
-          <pc:sldMk cId="3510928690" sldId="272"/>
-        </pc:sldMkLst>
-        <pc:spChg chg="del mod">
-          <ac:chgData name="Riccardo Berta" userId="c8694f89-bba4-4576-b0a8-456619ca5a8c" providerId="ADAL" clId="{FDDBFC5A-5EA9-5330-BEB8-433D7E3B4C4E}" dt="2025-09-22T15:02:08.977" v="1621" actId="478"/>
-          <ac:spMkLst>
-            <pc:docMk/>
-            <pc:sldMk cId="3510928690" sldId="272"/>
-            <ac:spMk id="3" creationId="{DA419527-1145-E1BE-9857-23EF4C875362}"/>
-          </ac:spMkLst>
-        </pc:spChg>
-        <pc:spChg chg="mod">
-          <ac:chgData name="Riccardo Berta" userId="c8694f89-bba4-4576-b0a8-456619ca5a8c" providerId="ADAL" clId="{FDDBFC5A-5EA9-5330-BEB8-433D7E3B4C4E}" dt="2025-09-22T14:42:27.688" v="1602" actId="20577"/>
-          <ac:spMkLst>
-            <pc:docMk/>
-            <pc:sldMk cId="3510928690" sldId="272"/>
-            <ac:spMk id="83" creationId="{00000000-0000-0000-0000-000000000000}"/>
-          </ac:spMkLst>
-        </pc:spChg>
-        <pc:spChg chg="mod">
-          <ac:chgData name="Riccardo Berta" userId="c8694f89-bba4-4576-b0a8-456619ca5a8c" providerId="ADAL" clId="{FDDBFC5A-5EA9-5330-BEB8-433D7E3B4C4E}" dt="2025-09-22T15:13:34.082" v="2004" actId="948"/>
-          <ac:spMkLst>
-            <pc:docMk/>
-            <pc:sldMk cId="3510928690" sldId="272"/>
-            <ac:spMk id="84" creationId="{00000000-0000-0000-0000-000000000000}"/>
-          </ac:spMkLst>
-        </pc:spChg>
-        <pc:picChg chg="del">
-          <ac:chgData name="Riccardo Berta" userId="c8694f89-bba4-4576-b0a8-456619ca5a8c" providerId="ADAL" clId="{FDDBFC5A-5EA9-5330-BEB8-433D7E3B4C4E}" dt="2025-09-22T14:55:12.517" v="1605" actId="478"/>
-          <ac:picMkLst>
-            <pc:docMk/>
-            <pc:sldMk cId="3510928690" sldId="272"/>
-            <ac:picMk id="2" creationId="{4D8DF35D-AFC1-8893-E837-077C4E58076D}"/>
-          </ac:picMkLst>
-        </pc:picChg>
-        <pc:picChg chg="add mod">
-          <ac:chgData name="Riccardo Berta" userId="c8694f89-bba4-4576-b0a8-456619ca5a8c" providerId="ADAL" clId="{FDDBFC5A-5EA9-5330-BEB8-433D7E3B4C4E}" dt="2025-09-22T15:13:08.676" v="1966" actId="1076"/>
-          <ac:picMkLst>
-            <pc:docMk/>
-            <pc:sldMk cId="3510928690" sldId="272"/>
-            <ac:picMk id="5" creationId="{9D49A314-D5C9-DDB4-5B38-D430DFB39FEA}"/>
-          </ac:picMkLst>
-        </pc:picChg>
-        <pc:picChg chg="add mod">
-          <ac:chgData name="Riccardo Berta" userId="c8694f89-bba4-4576-b0a8-456619ca5a8c" providerId="ADAL" clId="{FDDBFC5A-5EA9-5330-BEB8-433D7E3B4C4E}" dt="2025-09-22T15:11:31.462" v="1904" actId="1076"/>
-          <ac:picMkLst>
-            <pc:docMk/>
-            <pc:sldMk cId="3510928690" sldId="272"/>
-            <ac:picMk id="7" creationId="{D32240C6-FE27-0ED1-345F-C1F93EAA8F55}"/>
-          </ac:picMkLst>
-        </pc:picChg>
-        <pc:picChg chg="add mod">
-          <ac:chgData name="Riccardo Berta" userId="c8694f89-bba4-4576-b0a8-456619ca5a8c" providerId="ADAL" clId="{FDDBFC5A-5EA9-5330-BEB8-433D7E3B4C4E}" dt="2025-09-22T15:13:04.970" v="1965" actId="1076"/>
-          <ac:picMkLst>
-            <pc:docMk/>
-            <pc:sldMk cId="3510928690" sldId="272"/>
-            <ac:picMk id="9" creationId="{E59EE7B6-D3D8-AD9D-033D-46154FC706E8}"/>
-          </ac:picMkLst>
-        </pc:picChg>
-      </pc:sldChg>
-      <pc:sldChg chg="addSp delSp modSp mod">
-        <pc:chgData name="Riccardo Berta" userId="c8694f89-bba4-4576-b0a8-456619ca5a8c" providerId="ADAL" clId="{FDDBFC5A-5EA9-5330-BEB8-433D7E3B4C4E}" dt="2025-09-22T15:37:45.810" v="2024" actId="478"/>
-        <pc:sldMkLst>
-          <pc:docMk/>
-          <pc:sldMk cId="3435248664" sldId="273"/>
-        </pc:sldMkLst>
-        <pc:spChg chg="add del">
-          <ac:chgData name="Riccardo Berta" userId="c8694f89-bba4-4576-b0a8-456619ca5a8c" providerId="ADAL" clId="{FDDBFC5A-5EA9-5330-BEB8-433D7E3B4C4E}" dt="2025-09-22T15:37:39.703" v="2019" actId="478"/>
-          <ac:spMkLst>
-            <pc:docMk/>
-            <pc:sldMk cId="3435248664" sldId="273"/>
-            <ac:spMk id="2" creationId="{18491298-AAA5-4091-9C91-D9705EDA2EC2}"/>
-          </ac:spMkLst>
-        </pc:spChg>
-        <pc:spChg chg="add del">
-          <ac:chgData name="Riccardo Berta" userId="c8694f89-bba4-4576-b0a8-456619ca5a8c" providerId="ADAL" clId="{FDDBFC5A-5EA9-5330-BEB8-433D7E3B4C4E}" dt="2025-09-22T15:37:39.703" v="2019" actId="478"/>
-          <ac:spMkLst>
-            <pc:docMk/>
-            <pc:sldMk cId="3435248664" sldId="273"/>
-            <ac:spMk id="5" creationId="{A4D4998C-96F1-1AF2-84E6-C6EE69CE8395}"/>
-          </ac:spMkLst>
-        </pc:spChg>
-        <pc:spChg chg="add del">
-          <ac:chgData name="Riccardo Berta" userId="c8694f89-bba4-4576-b0a8-456619ca5a8c" providerId="ADAL" clId="{FDDBFC5A-5EA9-5330-BEB8-433D7E3B4C4E}" dt="2025-09-22T15:37:39.703" v="2019" actId="478"/>
-          <ac:spMkLst>
-            <pc:docMk/>
-            <pc:sldMk cId="3435248664" sldId="273"/>
-            <ac:spMk id="10" creationId="{332AA2AE-5161-0FF4-8281-D99F621C0EED}"/>
-          </ac:spMkLst>
-        </pc:spChg>
-        <pc:spChg chg="add del">
-          <ac:chgData name="Riccardo Berta" userId="c8694f89-bba4-4576-b0a8-456619ca5a8c" providerId="ADAL" clId="{FDDBFC5A-5EA9-5330-BEB8-433D7E3B4C4E}" dt="2025-09-22T15:37:39.703" v="2019" actId="478"/>
-          <ac:spMkLst>
-            <pc:docMk/>
-            <pc:sldMk cId="3435248664" sldId="273"/>
-            <ac:spMk id="12" creationId="{1A1235D8-8CE3-4928-DCEC-EF29B5B70AC9}"/>
-          </ac:spMkLst>
-        </pc:spChg>
-        <pc:spChg chg="add del">
-          <ac:chgData name="Riccardo Berta" userId="c8694f89-bba4-4576-b0a8-456619ca5a8c" providerId="ADAL" clId="{FDDBFC5A-5EA9-5330-BEB8-433D7E3B4C4E}" dt="2025-09-22T15:37:39.703" v="2019" actId="478"/>
-          <ac:spMkLst>
-            <pc:docMk/>
-            <pc:sldMk cId="3435248664" sldId="273"/>
-            <ac:spMk id="25" creationId="{459C373D-7932-915E-5624-CF39E2947931}"/>
-          </ac:spMkLst>
-        </pc:spChg>
-        <pc:spChg chg="add del">
-          <ac:chgData name="Riccardo Berta" userId="c8694f89-bba4-4576-b0a8-456619ca5a8c" providerId="ADAL" clId="{FDDBFC5A-5EA9-5330-BEB8-433D7E3B4C4E}" dt="2025-09-22T15:37:39.703" v="2019" actId="478"/>
-          <ac:spMkLst>
-            <pc:docMk/>
-            <pc:sldMk cId="3435248664" sldId="273"/>
-            <ac:spMk id="29" creationId="{1BD0C323-E37D-5F1A-19D7-51B13ABD558B}"/>
-          </ac:spMkLst>
-        </pc:spChg>
-        <pc:spChg chg="add del mod">
-          <ac:chgData name="Riccardo Berta" userId="c8694f89-bba4-4576-b0a8-456619ca5a8c" providerId="ADAL" clId="{FDDBFC5A-5EA9-5330-BEB8-433D7E3B4C4E}" dt="2025-09-22T15:37:39.625" v="2018" actId="478"/>
-          <ac:spMkLst>
-            <pc:docMk/>
-            <pc:sldMk cId="3435248664" sldId="273"/>
-            <ac:spMk id="32" creationId="{58DCC38E-FAAE-091E-21EF-21AF821CE967}"/>
-          </ac:spMkLst>
-        </pc:spChg>
-        <pc:spChg chg="add del">
-          <ac:chgData name="Riccardo Berta" userId="c8694f89-bba4-4576-b0a8-456619ca5a8c" providerId="ADAL" clId="{FDDBFC5A-5EA9-5330-BEB8-433D7E3B4C4E}" dt="2025-09-22T15:37:39.703" v="2019" actId="478"/>
-          <ac:spMkLst>
-            <pc:docMk/>
-            <pc:sldMk cId="3435248664" sldId="273"/>
-            <ac:spMk id="38" creationId="{CF8F7AD2-F9DC-00BC-16B4-F1A2F6ADC1CC}"/>
-          </ac:spMkLst>
-        </pc:spChg>
-        <pc:spChg chg="add del">
-          <ac:chgData name="Riccardo Berta" userId="c8694f89-bba4-4576-b0a8-456619ca5a8c" providerId="ADAL" clId="{FDDBFC5A-5EA9-5330-BEB8-433D7E3B4C4E}" dt="2025-09-22T15:37:39.703" v="2019" actId="478"/>
-          <ac:spMkLst>
-            <pc:docMk/>
-            <pc:sldMk cId="3435248664" sldId="273"/>
-            <ac:spMk id="39" creationId="{63C44B9F-FEA2-3F02-17E2-C2708619B355}"/>
-          </ac:spMkLst>
-        </pc:spChg>
-        <pc:spChg chg="add del">
-          <ac:chgData name="Riccardo Berta" userId="c8694f89-bba4-4576-b0a8-456619ca5a8c" providerId="ADAL" clId="{FDDBFC5A-5EA9-5330-BEB8-433D7E3B4C4E}" dt="2025-09-22T15:37:39.703" v="2019" actId="478"/>
-          <ac:spMkLst>
-            <pc:docMk/>
-            <pc:sldMk cId="3435248664" sldId="273"/>
-            <ac:spMk id="41" creationId="{B8AAF236-BCCE-5EBB-29AA-8E9FCAE4967B}"/>
-          </ac:spMkLst>
-        </pc:spChg>
-        <pc:spChg chg="add del">
-          <ac:chgData name="Riccardo Berta" userId="c8694f89-bba4-4576-b0a8-456619ca5a8c" providerId="ADAL" clId="{FDDBFC5A-5EA9-5330-BEB8-433D7E3B4C4E}" dt="2025-09-22T15:37:39.703" v="2019" actId="478"/>
-          <ac:spMkLst>
-            <pc:docMk/>
-            <pc:sldMk cId="3435248664" sldId="273"/>
-            <ac:spMk id="44" creationId="{2719A59B-0A47-1655-92C9-1B860349C98D}"/>
-          </ac:spMkLst>
-        </pc:spChg>
-        <pc:spChg chg="mod">
-          <ac:chgData name="Riccardo Berta" userId="c8694f89-bba4-4576-b0a8-456619ca5a8c" providerId="ADAL" clId="{FDDBFC5A-5EA9-5330-BEB8-433D7E3B4C4E}" dt="2025-09-22T14:42:48.491" v="1603"/>
-          <ac:spMkLst>
-            <pc:docMk/>
-            <pc:sldMk cId="3435248664" sldId="273"/>
-            <ac:spMk id="83" creationId="{00000000-0000-0000-0000-000000000000}"/>
-          </ac:spMkLst>
-        </pc:spChg>
-        <pc:spChg chg="add del">
-          <ac:chgData name="Riccardo Berta" userId="c8694f89-bba4-4576-b0a8-456619ca5a8c" providerId="ADAL" clId="{FDDBFC5A-5EA9-5330-BEB8-433D7E3B4C4E}" dt="2025-09-22T15:37:39.127" v="2017" actId="478"/>
-          <ac:spMkLst>
-            <pc:docMk/>
-            <pc:sldMk cId="3435248664" sldId="273"/>
-            <ac:spMk id="84" creationId="{00000000-0000-0000-0000-000000000000}"/>
-          </ac:spMkLst>
-        </pc:spChg>
-        <pc:picChg chg="add del mod">
-          <ac:chgData name="Riccardo Berta" userId="c8694f89-bba4-4576-b0a8-456619ca5a8c" providerId="ADAL" clId="{FDDBFC5A-5EA9-5330-BEB8-433D7E3B4C4E}" dt="2025-09-22T15:37:45.810" v="2024" actId="478"/>
-          <ac:picMkLst>
-            <pc:docMk/>
-            <pc:sldMk cId="3435248664" sldId="273"/>
-            <ac:picMk id="51" creationId="{41EDF6C5-600D-3DF8-212C-11F87D25B454}"/>
-          </ac:picMkLst>
-        </pc:picChg>
-      </pc:sldChg>
-      <pc:sldChg chg="modSp">
-        <pc:chgData name="Riccardo Berta" userId="c8694f89-bba4-4576-b0a8-456619ca5a8c" providerId="ADAL" clId="{FDDBFC5A-5EA9-5330-BEB8-433D7E3B4C4E}" dt="2025-09-22T14:42:51.443" v="1604"/>
-        <pc:sldMkLst>
-          <pc:docMk/>
-          <pc:sldMk cId="1846471115" sldId="275"/>
-        </pc:sldMkLst>
-        <pc:spChg chg="mod">
-          <ac:chgData name="Riccardo Berta" userId="c8694f89-bba4-4576-b0a8-456619ca5a8c" providerId="ADAL" clId="{FDDBFC5A-5EA9-5330-BEB8-433D7E3B4C4E}" dt="2025-09-22T14:42:51.443" v="1604"/>
-          <ac:spMkLst>
-            <pc:docMk/>
-            <pc:sldMk cId="1846471115" sldId="275"/>
-            <ac:spMk id="83" creationId="{00000000-0000-0000-0000-000000000000}"/>
-          </ac:spMkLst>
-        </pc:spChg>
-      </pc:sldChg>
-      <pc:sldChg chg="modSp mod">
-        <pc:chgData name="Riccardo Berta" userId="c8694f89-bba4-4576-b0a8-456619ca5a8c" providerId="ADAL" clId="{FDDBFC5A-5EA9-5330-BEB8-433D7E3B4C4E}" dt="2025-09-18T09:25:56.971" v="177" actId="20577"/>
-        <pc:sldMkLst>
-          <pc:docMk/>
-          <pc:sldMk cId="1086633516" sldId="278"/>
-        </pc:sldMkLst>
-        <pc:spChg chg="mod">
-          <ac:chgData name="Riccardo Berta" userId="c8694f89-bba4-4576-b0a8-456619ca5a8c" providerId="ADAL" clId="{FDDBFC5A-5EA9-5330-BEB8-433D7E3B4C4E}" dt="2025-09-18T09:25:56.971" v="177" actId="20577"/>
-          <ac:spMkLst>
-            <pc:docMk/>
-            <pc:sldMk cId="1086633516" sldId="278"/>
-            <ac:spMk id="83" creationId="{00000000-0000-0000-0000-000000000000}"/>
-          </ac:spMkLst>
-        </pc:spChg>
-        <pc:spChg chg="mod">
-          <ac:chgData name="Riccardo Berta" userId="c8694f89-bba4-4576-b0a8-456619ca5a8c" providerId="ADAL" clId="{FDDBFC5A-5EA9-5330-BEB8-433D7E3B4C4E}" dt="2025-09-18T06:23:28.095" v="16" actId="1076"/>
-          <ac:spMkLst>
-            <pc:docMk/>
-            <pc:sldMk cId="1086633516" sldId="278"/>
-            <ac:spMk id="84" creationId="{00000000-0000-0000-0000-000000000000}"/>
-          </ac:spMkLst>
-        </pc:spChg>
-      </pc:sldChg>
-      <pc:sldChg chg="del">
-        <pc:chgData name="Riccardo Berta" userId="c8694f89-bba4-4576-b0a8-456619ca5a8c" providerId="ADAL" clId="{FDDBFC5A-5EA9-5330-BEB8-433D7E3B4C4E}" dt="2025-09-18T11:36:46.913" v="270" actId="2696"/>
-        <pc:sldMkLst>
-          <pc:docMk/>
-          <pc:sldMk cId="2602639236" sldId="279"/>
-        </pc:sldMkLst>
-      </pc:sldChg>
-      <pc:sldChg chg="del">
-        <pc:chgData name="Riccardo Berta" userId="c8694f89-bba4-4576-b0a8-456619ca5a8c" providerId="ADAL" clId="{FDDBFC5A-5EA9-5330-BEB8-433D7E3B4C4E}" dt="2025-09-23T10:49:34.934" v="2475" actId="2696"/>
-        <pc:sldMkLst>
-          <pc:docMk/>
-          <pc:sldMk cId="847810682" sldId="280"/>
-        </pc:sldMkLst>
-      </pc:sldChg>
-      <pc:sldChg chg="addSp delSp modSp mod">
-        <pc:chgData name="Riccardo Berta" userId="c8694f89-bba4-4576-b0a8-456619ca5a8c" providerId="ADAL" clId="{FDDBFC5A-5EA9-5330-BEB8-433D7E3B4C4E}" dt="2025-09-23T05:56:03.485" v="2043" actId="1076"/>
-        <pc:sldMkLst>
-          <pc:docMk/>
-          <pc:sldMk cId="0" sldId="281"/>
-        </pc:sldMkLst>
-        <pc:spChg chg="add del mod">
-          <ac:chgData name="Riccardo Berta" userId="c8694f89-bba4-4576-b0a8-456619ca5a8c" providerId="ADAL" clId="{FDDBFC5A-5EA9-5330-BEB8-433D7E3B4C4E}" dt="2025-09-22T15:47:28.930" v="2026" actId="478"/>
-          <ac:spMkLst>
-            <pc:docMk/>
-            <pc:sldMk cId="0" sldId="281"/>
-            <ac:spMk id="4" creationId="{CCB06C7B-8E59-1680-6761-982A1266349D}"/>
-          </ac:spMkLst>
-        </pc:spChg>
-        <pc:spChg chg="add del mod">
-          <ac:chgData name="Riccardo Berta" userId="c8694f89-bba4-4576-b0a8-456619ca5a8c" providerId="ADAL" clId="{FDDBFC5A-5EA9-5330-BEB8-433D7E3B4C4E}" dt="2025-09-22T15:47:40.276" v="2033" actId="20577"/>
-          <ac:spMkLst>
-            <pc:docMk/>
-            <pc:sldMk cId="0" sldId="281"/>
-            <ac:spMk id="84" creationId="{00000000-0000-0000-0000-000000000000}"/>
-          </ac:spMkLst>
-        </pc:spChg>
-        <pc:grpChg chg="add del">
-          <ac:chgData name="Riccardo Berta" userId="c8694f89-bba4-4576-b0a8-456619ca5a8c" providerId="ADAL" clId="{FDDBFC5A-5EA9-5330-BEB8-433D7E3B4C4E}" dt="2025-09-22T15:47:31.466" v="2027" actId="478"/>
-          <ac:grpSpMkLst>
-            <pc:docMk/>
-            <pc:sldMk cId="0" sldId="281"/>
-            <ac:grpSpMk id="9" creationId="{0CBC8AAE-CBD2-C06F-C248-CD2E8CF7272D}"/>
-          </ac:grpSpMkLst>
-        </pc:grpChg>
-        <pc:picChg chg="add del">
-          <ac:chgData name="Riccardo Berta" userId="c8694f89-bba4-4576-b0a8-456619ca5a8c" providerId="ADAL" clId="{FDDBFC5A-5EA9-5330-BEB8-433D7E3B4C4E}" dt="2025-09-22T15:47:33.684" v="2030" actId="478"/>
-          <ac:picMkLst>
-            <pc:docMk/>
-            <pc:sldMk cId="0" sldId="281"/>
-            <ac:picMk id="3" creationId="{AB2286F9-DCF1-B9E0-3102-FFCCF4635325}"/>
-          </ac:picMkLst>
-        </pc:picChg>
-        <pc:picChg chg="add del">
-          <ac:chgData name="Riccardo Berta" userId="c8694f89-bba4-4576-b0a8-456619ca5a8c" providerId="ADAL" clId="{FDDBFC5A-5EA9-5330-BEB8-433D7E3B4C4E}" dt="2025-09-22T15:47:33.190" v="2029" actId="478"/>
-          <ac:picMkLst>
-            <pc:docMk/>
-            <pc:sldMk cId="0" sldId="281"/>
-            <ac:picMk id="5" creationId="{8BFF2373-A75B-63C4-E813-B82DB991F3E5}"/>
-          </ac:picMkLst>
-        </pc:picChg>
-        <pc:picChg chg="add mod">
-          <ac:chgData name="Riccardo Berta" userId="c8694f89-bba4-4576-b0a8-456619ca5a8c" providerId="ADAL" clId="{FDDBFC5A-5EA9-5330-BEB8-433D7E3B4C4E}" dt="2025-09-23T05:55:46.484" v="2038" actId="1076"/>
-          <ac:picMkLst>
-            <pc:docMk/>
-            <pc:sldMk cId="0" sldId="281"/>
-            <ac:picMk id="7" creationId="{08BB49C6-A36C-B1B9-92BD-8AD64C41818A}"/>
-          </ac:picMkLst>
-        </pc:picChg>
-        <pc:picChg chg="add mod">
-          <ac:chgData name="Riccardo Berta" userId="c8694f89-bba4-4576-b0a8-456619ca5a8c" providerId="ADAL" clId="{FDDBFC5A-5EA9-5330-BEB8-433D7E3B4C4E}" dt="2025-09-23T05:56:03.485" v="2043" actId="1076"/>
-          <ac:picMkLst>
-            <pc:docMk/>
-            <pc:sldMk cId="0" sldId="281"/>
-            <ac:picMk id="10" creationId="{14AECD30-6A0B-2D75-DE5C-01BC707187F5}"/>
-          </ac:picMkLst>
-        </pc:picChg>
-        <pc:picChg chg="add del">
-          <ac:chgData name="Riccardo Berta" userId="c8694f89-bba4-4576-b0a8-456619ca5a8c" providerId="ADAL" clId="{FDDBFC5A-5EA9-5330-BEB8-433D7E3B4C4E}" dt="2025-09-22T15:47:32.185" v="2028" actId="478"/>
-          <ac:picMkLst>
-            <pc:docMk/>
-            <pc:sldMk cId="0" sldId="281"/>
-            <ac:picMk id="11" creationId="{311B2E2A-25B1-55A5-1C1F-49DBBAC53885}"/>
-          </ac:picMkLst>
-        </pc:picChg>
-      </pc:sldChg>
-      <pc:sldChg chg="addSp modSp mod">
-        <pc:chgData name="Riccardo Berta" userId="c8694f89-bba4-4576-b0a8-456619ca5a8c" providerId="ADAL" clId="{FDDBFC5A-5EA9-5330-BEB8-433D7E3B4C4E}" dt="2025-09-23T06:08:40.320" v="2073" actId="1076"/>
-        <pc:sldMkLst>
-          <pc:docMk/>
-          <pc:sldMk cId="1759999639" sldId="282"/>
-        </pc:sldMkLst>
-        <pc:spChg chg="mod">
-          <ac:chgData name="Riccardo Berta" userId="c8694f89-bba4-4576-b0a8-456619ca5a8c" providerId="ADAL" clId="{FDDBFC5A-5EA9-5330-BEB8-433D7E3B4C4E}" dt="2025-09-23T06:08:31.630" v="2070" actId="14100"/>
-          <ac:spMkLst>
-            <pc:docMk/>
-            <pc:sldMk cId="1759999639" sldId="282"/>
-            <ac:spMk id="84" creationId="{00000000-0000-0000-0000-000000000000}"/>
-          </ac:spMkLst>
-        </pc:spChg>
-        <pc:picChg chg="add mod">
-          <ac:chgData name="Riccardo Berta" userId="c8694f89-bba4-4576-b0a8-456619ca5a8c" providerId="ADAL" clId="{FDDBFC5A-5EA9-5330-BEB8-433D7E3B4C4E}" dt="2025-09-23T06:08:40.320" v="2073" actId="1076"/>
-          <ac:picMkLst>
-            <pc:docMk/>
-            <pc:sldMk cId="1759999639" sldId="282"/>
-            <ac:picMk id="2" creationId="{0A5C88E0-26E9-EF64-C7E7-6E235E3DA47E}"/>
-          </ac:picMkLst>
-        </pc:picChg>
-      </pc:sldChg>
-      <pc:sldChg chg="addSp delSp modSp mod">
-        <pc:chgData name="Riccardo Berta" userId="c8694f89-bba4-4576-b0a8-456619ca5a8c" providerId="ADAL" clId="{FDDBFC5A-5EA9-5330-BEB8-433D7E3B4C4E}" dt="2025-09-23T08:56:24.721" v="2253" actId="313"/>
-        <pc:sldMkLst>
-          <pc:docMk/>
-          <pc:sldMk cId="1948046109" sldId="284"/>
-        </pc:sldMkLst>
-        <pc:spChg chg="mod">
-          <ac:chgData name="Riccardo Berta" userId="c8694f89-bba4-4576-b0a8-456619ca5a8c" providerId="ADAL" clId="{FDDBFC5A-5EA9-5330-BEB8-433D7E3B4C4E}" dt="2025-09-23T08:56:24.721" v="2253" actId="313"/>
-          <ac:spMkLst>
-            <pc:docMk/>
-            <pc:sldMk cId="1948046109" sldId="284"/>
-            <ac:spMk id="84" creationId="{00000000-0000-0000-0000-000000000000}"/>
-          </ac:spMkLst>
-        </pc:spChg>
-        <pc:picChg chg="add mod">
-          <ac:chgData name="Riccardo Berta" userId="c8694f89-bba4-4576-b0a8-456619ca5a8c" providerId="ADAL" clId="{FDDBFC5A-5EA9-5330-BEB8-433D7E3B4C4E}" dt="2025-09-23T08:56:22.216" v="2252" actId="1076"/>
-          <ac:picMkLst>
-            <pc:docMk/>
-            <pc:sldMk cId="1948046109" sldId="284"/>
-            <ac:picMk id="2" creationId="{B5AE7568-3FE7-3557-B33F-E17C6D894925}"/>
-          </ac:picMkLst>
-        </pc:picChg>
-        <pc:picChg chg="add mod">
-          <ac:chgData name="Riccardo Berta" userId="c8694f89-bba4-4576-b0a8-456619ca5a8c" providerId="ADAL" clId="{FDDBFC5A-5EA9-5330-BEB8-433D7E3B4C4E}" dt="2025-09-23T08:56:22.216" v="2252" actId="1076"/>
-          <ac:picMkLst>
-            <pc:docMk/>
-            <pc:sldMk cId="1948046109" sldId="284"/>
-            <ac:picMk id="3" creationId="{6218035F-7184-F5E2-91C5-F9C2D7704BEF}"/>
-          </ac:picMkLst>
-        </pc:picChg>
-        <pc:picChg chg="del mod">
-          <ac:chgData name="Riccardo Berta" userId="c8694f89-bba4-4576-b0a8-456619ca5a8c" providerId="ADAL" clId="{FDDBFC5A-5EA9-5330-BEB8-433D7E3B4C4E}" dt="2025-09-23T06:25:11.244" v="2202" actId="478"/>
-          <ac:picMkLst>
-            <pc:docMk/>
-            <pc:sldMk cId="1948046109" sldId="284"/>
-            <ac:picMk id="3" creationId="{E309E35B-5F27-BD31-4924-3A1782CFF6AB}"/>
-          </ac:picMkLst>
-        </pc:picChg>
-        <pc:picChg chg="add mod">
-          <ac:chgData name="Riccardo Berta" userId="c8694f89-bba4-4576-b0a8-456619ca5a8c" providerId="ADAL" clId="{FDDBFC5A-5EA9-5330-BEB8-433D7E3B4C4E}" dt="2025-09-23T08:56:22.216" v="2252" actId="1076"/>
-          <ac:picMkLst>
-            <pc:docMk/>
-            <pc:sldMk cId="1948046109" sldId="284"/>
-            <ac:picMk id="4" creationId="{81D23207-796D-DB63-224F-8AB79FF6D095}"/>
-          </ac:picMkLst>
-        </pc:picChg>
-        <pc:picChg chg="del mod">
-          <ac:chgData name="Riccardo Berta" userId="c8694f89-bba4-4576-b0a8-456619ca5a8c" providerId="ADAL" clId="{FDDBFC5A-5EA9-5330-BEB8-433D7E3B4C4E}" dt="2025-09-23T06:25:10.216" v="2201" actId="478"/>
-          <ac:picMkLst>
-            <pc:docMk/>
-            <pc:sldMk cId="1948046109" sldId="284"/>
-            <ac:picMk id="7" creationId="{8E3E798A-0284-B4FB-A0F5-624C92724761}"/>
-          </ac:picMkLst>
-        </pc:picChg>
-        <pc:picChg chg="mod">
-          <ac:chgData name="Riccardo Berta" userId="c8694f89-bba4-4576-b0a8-456619ca5a8c" providerId="ADAL" clId="{FDDBFC5A-5EA9-5330-BEB8-433D7E3B4C4E}" dt="2025-09-23T06:24:42.441" v="2182" actId="1076"/>
-          <ac:picMkLst>
-            <pc:docMk/>
-            <pc:sldMk cId="1948046109" sldId="284"/>
-            <ac:picMk id="9" creationId="{3707CAE4-EA39-571B-C208-1E0207CE8ACE}"/>
-          </ac:picMkLst>
-        </pc:picChg>
-      </pc:sldChg>
-      <pc:sldChg chg="addSp delSp modSp mod">
-        <pc:chgData name="Riccardo Berta" userId="c8694f89-bba4-4576-b0a8-456619ca5a8c" providerId="ADAL" clId="{FDDBFC5A-5EA9-5330-BEB8-433D7E3B4C4E}" dt="2025-09-23T10:14:23.180" v="2336" actId="113"/>
-        <pc:sldMkLst>
-          <pc:docMk/>
-          <pc:sldMk cId="2565151020" sldId="285"/>
-        </pc:sldMkLst>
-        <pc:spChg chg="del">
-          <ac:chgData name="Riccardo Berta" userId="c8694f89-bba4-4576-b0a8-456619ca5a8c" providerId="ADAL" clId="{FDDBFC5A-5EA9-5330-BEB8-433D7E3B4C4E}" dt="2025-09-23T09:49:03.149" v="2259" actId="478"/>
-          <ac:spMkLst>
-            <pc:docMk/>
-            <pc:sldMk cId="2565151020" sldId="285"/>
-            <ac:spMk id="12" creationId="{CDC02285-4F14-B111-E259-0CD8CAFDE957}"/>
-          </ac:spMkLst>
-        </pc:spChg>
-        <pc:spChg chg="del">
-          <ac:chgData name="Riccardo Berta" userId="c8694f89-bba4-4576-b0a8-456619ca5a8c" providerId="ADAL" clId="{FDDBFC5A-5EA9-5330-BEB8-433D7E3B4C4E}" dt="2025-09-23T09:49:04.049" v="2260" actId="478"/>
-          <ac:spMkLst>
-            <pc:docMk/>
-            <pc:sldMk cId="2565151020" sldId="285"/>
-            <ac:spMk id="13" creationId="{1D8BD03F-6BE7-AE73-93C8-DC3ABC806248}"/>
-          </ac:spMkLst>
-        </pc:spChg>
-        <pc:spChg chg="del">
-          <ac:chgData name="Riccardo Berta" userId="c8694f89-bba4-4576-b0a8-456619ca5a8c" providerId="ADAL" clId="{FDDBFC5A-5EA9-5330-BEB8-433D7E3B4C4E}" dt="2025-09-23T09:49:02.550" v="2258" actId="478"/>
-          <ac:spMkLst>
-            <pc:docMk/>
-            <pc:sldMk cId="2565151020" sldId="285"/>
-            <ac:spMk id="14" creationId="{006BB737-AC39-1FB2-D9FA-3055A4A7CEF2}"/>
-          </ac:spMkLst>
-        </pc:spChg>
-        <pc:spChg chg="mod">
-          <ac:chgData name="Riccardo Berta" userId="c8694f89-bba4-4576-b0a8-456619ca5a8c" providerId="ADAL" clId="{FDDBFC5A-5EA9-5330-BEB8-433D7E3B4C4E}" dt="2025-09-23T10:14:23.180" v="2336" actId="113"/>
-          <ac:spMkLst>
-            <pc:docMk/>
-            <pc:sldMk cId="2565151020" sldId="285"/>
-            <ac:spMk id="84" creationId="{00000000-0000-0000-0000-000000000000}"/>
-          </ac:spMkLst>
-        </pc:spChg>
-        <pc:picChg chg="add mod">
-          <ac:chgData name="Riccardo Berta" userId="c8694f89-bba4-4576-b0a8-456619ca5a8c" providerId="ADAL" clId="{FDDBFC5A-5EA9-5330-BEB8-433D7E3B4C4E}" dt="2025-09-23T10:14:02.568" v="2334" actId="1076"/>
-          <ac:picMkLst>
-            <pc:docMk/>
-            <pc:sldMk cId="2565151020" sldId="285"/>
-            <ac:picMk id="2" creationId="{E1A21E92-1CF5-53C5-4E2E-20BF54185380}"/>
-          </ac:picMkLst>
-        </pc:picChg>
-        <pc:picChg chg="del">
-          <ac:chgData name="Riccardo Berta" userId="c8694f89-bba4-4576-b0a8-456619ca5a8c" providerId="ADAL" clId="{FDDBFC5A-5EA9-5330-BEB8-433D7E3B4C4E}" dt="2025-09-23T09:48:54.842" v="2254" actId="478"/>
-          <ac:picMkLst>
-            <pc:docMk/>
-            <pc:sldMk cId="2565151020" sldId="285"/>
-            <ac:picMk id="3" creationId="{78D141D2-1295-F724-D4D0-84B14981F8A7}"/>
-          </ac:picMkLst>
-        </pc:picChg>
-        <pc:picChg chg="add mod">
-          <ac:chgData name="Riccardo Berta" userId="c8694f89-bba4-4576-b0a8-456619ca5a8c" providerId="ADAL" clId="{FDDBFC5A-5EA9-5330-BEB8-433D7E3B4C4E}" dt="2025-09-23T10:14:06.611" v="2335" actId="1076"/>
-          <ac:picMkLst>
-            <pc:docMk/>
-            <pc:sldMk cId="2565151020" sldId="285"/>
-            <ac:picMk id="4" creationId="{CC24ACAC-47CA-6121-4464-B3B50CCC0A2C}"/>
-          </ac:picMkLst>
-        </pc:picChg>
-        <pc:picChg chg="del">
-          <ac:chgData name="Riccardo Berta" userId="c8694f89-bba4-4576-b0a8-456619ca5a8c" providerId="ADAL" clId="{FDDBFC5A-5EA9-5330-BEB8-433D7E3B4C4E}" dt="2025-09-23T09:48:55.934" v="2255" actId="478"/>
-          <ac:picMkLst>
-            <pc:docMk/>
-            <pc:sldMk cId="2565151020" sldId="285"/>
-            <ac:picMk id="5" creationId="{2E3AF256-5A7C-71EB-E3F2-3E4D6C43D032}"/>
-          </ac:picMkLst>
-        </pc:picChg>
-        <pc:picChg chg="del">
-          <ac:chgData name="Riccardo Berta" userId="c8694f89-bba4-4576-b0a8-456619ca5a8c" providerId="ADAL" clId="{FDDBFC5A-5EA9-5330-BEB8-433D7E3B4C4E}" dt="2025-09-23T09:48:56.671" v="2256" actId="478"/>
-          <ac:picMkLst>
-            <pc:docMk/>
-            <pc:sldMk cId="2565151020" sldId="285"/>
-            <ac:picMk id="7" creationId="{A7D23C73-BE04-4369-E793-1D13C097286F}"/>
-          </ac:picMkLst>
-        </pc:picChg>
-        <pc:picChg chg="add del mod">
-          <ac:chgData name="Riccardo Berta" userId="c8694f89-bba4-4576-b0a8-456619ca5a8c" providerId="ADAL" clId="{FDDBFC5A-5EA9-5330-BEB8-433D7E3B4C4E}" dt="2025-09-23T10:13:50.981" v="2328" actId="1076"/>
-          <ac:picMkLst>
-            <pc:docMk/>
-            <pc:sldMk cId="2565151020" sldId="285"/>
-            <ac:picMk id="9" creationId="{949F1D30-2DB5-F93E-98CF-B168E7C17664}"/>
-          </ac:picMkLst>
-        </pc:picChg>
-        <pc:picChg chg="del">
-          <ac:chgData name="Riccardo Berta" userId="c8694f89-bba4-4576-b0a8-456619ca5a8c" providerId="ADAL" clId="{FDDBFC5A-5EA9-5330-BEB8-433D7E3B4C4E}" dt="2025-09-23T09:49:01.411" v="2257" actId="478"/>
-          <ac:picMkLst>
-            <pc:docMk/>
-            <pc:sldMk cId="2565151020" sldId="285"/>
-            <ac:picMk id="11" creationId="{2A58DD62-DB19-4A05-0EDD-9C084D7997BF}"/>
-          </ac:picMkLst>
-        </pc:picChg>
-      </pc:sldChg>
-      <pc:sldChg chg="addSp delSp modSp mod">
-        <pc:chgData name="Riccardo Berta" userId="c8694f89-bba4-4576-b0a8-456619ca5a8c" providerId="ADAL" clId="{FDDBFC5A-5EA9-5330-BEB8-433D7E3B4C4E}" dt="2025-09-23T10:46:27.963" v="2453" actId="1076"/>
-        <pc:sldMkLst>
-          <pc:docMk/>
-          <pc:sldMk cId="2358976718" sldId="287"/>
-        </pc:sldMkLst>
-        <pc:spChg chg="del mod">
-          <ac:chgData name="Riccardo Berta" userId="c8694f89-bba4-4576-b0a8-456619ca5a8c" providerId="ADAL" clId="{FDDBFC5A-5EA9-5330-BEB8-433D7E3B4C4E}" dt="2025-09-23T10:27:45.618" v="2342" actId="478"/>
-          <ac:spMkLst>
-            <pc:docMk/>
-            <pc:sldMk cId="2358976718" sldId="287"/>
-            <ac:spMk id="2" creationId="{5FAC16D9-8EF8-071D-46C6-E04927D39F6D}"/>
-          </ac:spMkLst>
-        </pc:spChg>
-        <pc:spChg chg="mod">
-          <ac:chgData name="Riccardo Berta" userId="c8694f89-bba4-4576-b0a8-456619ca5a8c" providerId="ADAL" clId="{FDDBFC5A-5EA9-5330-BEB8-433D7E3B4C4E}" dt="2025-09-23T10:44:05.436" v="2435" actId="20577"/>
-          <ac:spMkLst>
-            <pc:docMk/>
-            <pc:sldMk cId="2358976718" sldId="287"/>
-            <ac:spMk id="84" creationId="{00000000-0000-0000-0000-000000000000}"/>
-          </ac:spMkLst>
-        </pc:spChg>
-        <pc:picChg chg="del">
-          <ac:chgData name="Riccardo Berta" userId="c8694f89-bba4-4576-b0a8-456619ca5a8c" providerId="ADAL" clId="{FDDBFC5A-5EA9-5330-BEB8-433D7E3B4C4E}" dt="2025-09-23T10:27:40.323" v="2337" actId="478"/>
-          <ac:picMkLst>
-            <pc:docMk/>
-            <pc:sldMk cId="2358976718" sldId="287"/>
-            <ac:picMk id="3" creationId="{243541CC-F11C-5C81-49E2-F91CBAABD2A8}"/>
-          </ac:picMkLst>
-        </pc:picChg>
-        <pc:picChg chg="add mod">
-          <ac:chgData name="Riccardo Berta" userId="c8694f89-bba4-4576-b0a8-456619ca5a8c" providerId="ADAL" clId="{FDDBFC5A-5EA9-5330-BEB8-433D7E3B4C4E}" dt="2025-09-23T10:43:40.716" v="2399" actId="1037"/>
-          <ac:picMkLst>
-            <pc:docMk/>
-            <pc:sldMk cId="2358976718" sldId="287"/>
-            <ac:picMk id="4" creationId="{CE4F2994-97B4-8F8A-E8DB-019B5C568E17}"/>
-          </ac:picMkLst>
-        </pc:picChg>
-        <pc:picChg chg="del">
-          <ac:chgData name="Riccardo Berta" userId="c8694f89-bba4-4576-b0a8-456619ca5a8c" providerId="ADAL" clId="{FDDBFC5A-5EA9-5330-BEB8-433D7E3B4C4E}" dt="2025-09-23T10:41:11.533" v="2344" actId="478"/>
-          <ac:picMkLst>
-            <pc:docMk/>
-            <pc:sldMk cId="2358976718" sldId="287"/>
-            <ac:picMk id="5" creationId="{9DEBF98A-4BAA-6B4D-2564-6057552E3C73}"/>
-          </ac:picMkLst>
-        </pc:picChg>
-        <pc:picChg chg="del">
-          <ac:chgData name="Riccardo Berta" userId="c8694f89-bba4-4576-b0a8-456619ca5a8c" providerId="ADAL" clId="{FDDBFC5A-5EA9-5330-BEB8-433D7E3B4C4E}" dt="2025-09-23T10:41:12.043" v="2345" actId="478"/>
-          <ac:picMkLst>
-            <pc:docMk/>
-            <pc:sldMk cId="2358976718" sldId="287"/>
-            <ac:picMk id="7" creationId="{F63EB7C1-804A-59C6-3176-5A3DA5FBC4CA}"/>
-          </ac:picMkLst>
-        </pc:picChg>
-        <pc:picChg chg="del">
-          <ac:chgData name="Riccardo Berta" userId="c8694f89-bba4-4576-b0a8-456619ca5a8c" providerId="ADAL" clId="{FDDBFC5A-5EA9-5330-BEB8-433D7E3B4C4E}" dt="2025-09-23T10:41:12.613" v="2346" actId="478"/>
-          <ac:picMkLst>
-            <pc:docMk/>
-            <pc:sldMk cId="2358976718" sldId="287"/>
-            <ac:picMk id="9" creationId="{A9AFDC81-029E-499F-CCDA-EB06343A7FE4}"/>
-          </ac:picMkLst>
-        </pc:picChg>
-        <pc:picChg chg="add del">
-          <ac:chgData name="Riccardo Berta" userId="c8694f89-bba4-4576-b0a8-456619ca5a8c" providerId="ADAL" clId="{FDDBFC5A-5EA9-5330-BEB8-433D7E3B4C4E}" dt="2025-09-23T10:41:38.408" v="2349" actId="478"/>
-          <ac:picMkLst>
-            <pc:docMk/>
-            <pc:sldMk cId="2358976718" sldId="287"/>
-            <ac:picMk id="11" creationId="{695BD0EA-97B9-914A-CEF0-19FCBA9B6B7D}"/>
-          </ac:picMkLst>
-        </pc:picChg>
-        <pc:picChg chg="add del mod">
-          <ac:chgData name="Riccardo Berta" userId="c8694f89-bba4-4576-b0a8-456619ca5a8c" providerId="ADAL" clId="{FDDBFC5A-5EA9-5330-BEB8-433D7E3B4C4E}" dt="2025-09-23T10:43:43.849" v="2400" actId="1076"/>
-          <ac:picMkLst>
-            <pc:docMk/>
-            <pc:sldMk cId="2358976718" sldId="287"/>
-            <ac:picMk id="13" creationId="{58B92695-CC81-4CC5-6CA6-A516F5B02331}"/>
-          </ac:picMkLst>
-        </pc:picChg>
-        <pc:picChg chg="add mod">
-          <ac:chgData name="Riccardo Berta" userId="c8694f89-bba4-4576-b0a8-456619ca5a8c" providerId="ADAL" clId="{FDDBFC5A-5EA9-5330-BEB8-433D7E3B4C4E}" dt="2025-09-23T10:44:29.744" v="2440" actId="1076"/>
-          <ac:picMkLst>
-            <pc:docMk/>
-            <pc:sldMk cId="2358976718" sldId="287"/>
-            <ac:picMk id="14" creationId="{11DEBCE9-37A7-45A5-0631-6201E9B3802E}"/>
-          </ac:picMkLst>
-        </pc:picChg>
-        <pc:picChg chg="add mod">
-          <ac:chgData name="Riccardo Berta" userId="c8694f89-bba4-4576-b0a8-456619ca5a8c" providerId="ADAL" clId="{FDDBFC5A-5EA9-5330-BEB8-433D7E3B4C4E}" dt="2025-09-23T10:44:42.180" v="2443" actId="1076"/>
-          <ac:picMkLst>
-            <pc:docMk/>
-            <pc:sldMk cId="2358976718" sldId="287"/>
-            <ac:picMk id="15" creationId="{1601044E-CC3D-E6E8-EB16-983753C5115E}"/>
-          </ac:picMkLst>
-        </pc:picChg>
-        <pc:picChg chg="add mod">
-          <ac:chgData name="Riccardo Berta" userId="c8694f89-bba4-4576-b0a8-456619ca5a8c" providerId="ADAL" clId="{FDDBFC5A-5EA9-5330-BEB8-433D7E3B4C4E}" dt="2025-09-23T10:45:01.485" v="2448" actId="1076"/>
-          <ac:picMkLst>
-            <pc:docMk/>
-            <pc:sldMk cId="2358976718" sldId="287"/>
-            <ac:picMk id="16" creationId="{09BF5FCC-E1AF-F8C2-9FD4-76EDE14D2172}"/>
-          </ac:picMkLst>
-        </pc:picChg>
-        <pc:picChg chg="add mod">
-          <ac:chgData name="Riccardo Berta" userId="c8694f89-bba4-4576-b0a8-456619ca5a8c" providerId="ADAL" clId="{FDDBFC5A-5EA9-5330-BEB8-433D7E3B4C4E}" dt="2025-09-23T10:45:16.518" v="2451" actId="1076"/>
-          <ac:picMkLst>
-            <pc:docMk/>
-            <pc:sldMk cId="2358976718" sldId="287"/>
-            <ac:picMk id="17" creationId="{9BAAA2D2-EC79-0F22-DF92-BE465680CB72}"/>
-          </ac:picMkLst>
-        </pc:picChg>
-        <pc:picChg chg="add mod">
-          <ac:chgData name="Riccardo Berta" userId="c8694f89-bba4-4576-b0a8-456619ca5a8c" providerId="ADAL" clId="{FDDBFC5A-5EA9-5330-BEB8-433D7E3B4C4E}" dt="2025-09-23T10:46:27.963" v="2453" actId="1076"/>
-          <ac:picMkLst>
-            <pc:docMk/>
-            <pc:sldMk cId="2358976718" sldId="287"/>
-            <ac:picMk id="19" creationId="{4A08BCC7-AB23-880A-2BB5-870274DA1BB0}"/>
-          </ac:picMkLst>
-        </pc:picChg>
-        <pc:cxnChg chg="del">
-          <ac:chgData name="Riccardo Berta" userId="c8694f89-bba4-4576-b0a8-456619ca5a8c" providerId="ADAL" clId="{FDDBFC5A-5EA9-5330-BEB8-433D7E3B4C4E}" dt="2025-09-23T10:27:43.893" v="2340" actId="478"/>
-          <ac:cxnSpMkLst>
-            <pc:docMk/>
-            <pc:sldMk cId="2358976718" sldId="287"/>
-            <ac:cxnSpMk id="6" creationId="{82BE4C00-04FF-A032-C98B-ED3FA9B15D2D}"/>
-          </ac:cxnSpMkLst>
-        </pc:cxnChg>
-        <pc:cxnChg chg="del">
-          <ac:chgData name="Riccardo Berta" userId="c8694f89-bba4-4576-b0a8-456619ca5a8c" providerId="ADAL" clId="{FDDBFC5A-5EA9-5330-BEB8-433D7E3B4C4E}" dt="2025-09-23T10:27:43.433" v="2339" actId="478"/>
-          <ac:cxnSpMkLst>
-            <pc:docMk/>
-            <pc:sldMk cId="2358976718" sldId="287"/>
-            <ac:cxnSpMk id="8" creationId="{CFD78C88-F1DD-5F90-553C-A8F71A048917}"/>
-          </ac:cxnSpMkLst>
-        </pc:cxnChg>
-        <pc:cxnChg chg="del">
-          <ac:chgData name="Riccardo Berta" userId="c8694f89-bba4-4576-b0a8-456619ca5a8c" providerId="ADAL" clId="{FDDBFC5A-5EA9-5330-BEB8-433D7E3B4C4E}" dt="2025-09-23T10:27:42.962" v="2338" actId="478"/>
-          <ac:cxnSpMkLst>
-            <pc:docMk/>
-            <pc:sldMk cId="2358976718" sldId="287"/>
-            <ac:cxnSpMk id="12" creationId="{910C2C9F-07FB-247D-407D-4F64DAD75FC8}"/>
-          </ac:cxnSpMkLst>
-        </pc:cxnChg>
-      </pc:sldChg>
-      <pc:sldChg chg="addSp delSp modSp mod">
-        <pc:chgData name="Riccardo Berta" userId="c8694f89-bba4-4576-b0a8-456619ca5a8c" providerId="ADAL" clId="{FDDBFC5A-5EA9-5330-BEB8-433D7E3B4C4E}" dt="2025-09-23T11:43:57.291" v="2764" actId="1035"/>
-        <pc:sldMkLst>
-          <pc:docMk/>
-          <pc:sldMk cId="4085101344" sldId="288"/>
-        </pc:sldMkLst>
-        <pc:spChg chg="mod">
-          <ac:chgData name="Riccardo Berta" userId="c8694f89-bba4-4576-b0a8-456619ca5a8c" providerId="ADAL" clId="{FDDBFC5A-5EA9-5330-BEB8-433D7E3B4C4E}" dt="2025-09-23T10:58:05.761" v="2495" actId="20577"/>
-          <ac:spMkLst>
-            <pc:docMk/>
-            <pc:sldMk cId="4085101344" sldId="288"/>
-            <ac:spMk id="83" creationId="{00000000-0000-0000-0000-000000000000}"/>
-          </ac:spMkLst>
-        </pc:spChg>
-        <pc:spChg chg="mod">
-          <ac:chgData name="Riccardo Berta" userId="c8694f89-bba4-4576-b0a8-456619ca5a8c" providerId="ADAL" clId="{FDDBFC5A-5EA9-5330-BEB8-433D7E3B4C4E}" dt="2025-09-23T11:43:57.291" v="2764" actId="1035"/>
-          <ac:spMkLst>
-            <pc:docMk/>
-            <pc:sldMk cId="4085101344" sldId="288"/>
-            <ac:spMk id="84" creationId="{00000000-0000-0000-0000-000000000000}"/>
-          </ac:spMkLst>
-        </pc:spChg>
-        <pc:picChg chg="add mod">
-          <ac:chgData name="Riccardo Berta" userId="c8694f89-bba4-4576-b0a8-456619ca5a8c" providerId="ADAL" clId="{FDDBFC5A-5EA9-5330-BEB8-433D7E3B4C4E}" dt="2025-09-23T11:43:57.291" v="2764" actId="1035"/>
-          <ac:picMkLst>
-            <pc:docMk/>
-            <pc:sldMk cId="4085101344" sldId="288"/>
-            <ac:picMk id="2" creationId="{38AF6BF6-34F0-2EC1-BC22-D2EF6209BFEE}"/>
-          </ac:picMkLst>
-        </pc:picChg>
-        <pc:picChg chg="del mod">
-          <ac:chgData name="Riccardo Berta" userId="c8694f89-bba4-4576-b0a8-456619ca5a8c" providerId="ADAL" clId="{FDDBFC5A-5EA9-5330-BEB8-433D7E3B4C4E}" dt="2025-09-23T10:57:42.496" v="2476" actId="478"/>
-          <ac:picMkLst>
-            <pc:docMk/>
-            <pc:sldMk cId="4085101344" sldId="288"/>
-            <ac:picMk id="3" creationId="{E999EFEA-F5A1-B529-D7B7-6017FBB943FA}"/>
-          </ac:picMkLst>
-        </pc:picChg>
-        <pc:picChg chg="add mod">
-          <ac:chgData name="Riccardo Berta" userId="c8694f89-bba4-4576-b0a8-456619ca5a8c" providerId="ADAL" clId="{FDDBFC5A-5EA9-5330-BEB8-433D7E3B4C4E}" dt="2025-09-23T11:43:57.291" v="2764" actId="1035"/>
-          <ac:picMkLst>
-            <pc:docMk/>
-            <pc:sldMk cId="4085101344" sldId="288"/>
-            <ac:picMk id="4" creationId="{259E949B-C4B3-DC7A-D603-64D89DA5A478}"/>
-          </ac:picMkLst>
-        </pc:picChg>
-      </pc:sldChg>
-      <pc:sldChg chg="modSp del mod">
-        <pc:chgData name="Riccardo Berta" userId="c8694f89-bba4-4576-b0a8-456619ca5a8c" providerId="ADAL" clId="{FDDBFC5A-5EA9-5330-BEB8-433D7E3B4C4E}" dt="2025-09-23T10:47:48.840" v="2473" actId="2696"/>
-        <pc:sldMkLst>
-          <pc:docMk/>
-          <pc:sldMk cId="2930576204" sldId="289"/>
-        </pc:sldMkLst>
-        <pc:spChg chg="mod">
-          <ac:chgData name="Riccardo Berta" userId="c8694f89-bba4-4576-b0a8-456619ca5a8c" providerId="ADAL" clId="{FDDBFC5A-5EA9-5330-BEB8-433D7E3B4C4E}" dt="2025-09-23T10:47:34.806" v="2465" actId="21"/>
-          <ac:spMkLst>
-            <pc:docMk/>
-            <pc:sldMk cId="2930576204" sldId="289"/>
-            <ac:spMk id="84" creationId="{00000000-0000-0000-0000-000000000000}"/>
-          </ac:spMkLst>
-        </pc:spChg>
-      </pc:sldChg>
-      <pc:sldChg chg="del">
-        <pc:chgData name="Riccardo Berta" userId="c8694f89-bba4-4576-b0a8-456619ca5a8c" providerId="ADAL" clId="{FDDBFC5A-5EA9-5330-BEB8-433D7E3B4C4E}" dt="2025-09-23T10:48:20.180" v="2474" actId="2696"/>
-        <pc:sldMkLst>
-          <pc:docMk/>
-          <pc:sldMk cId="1901211815" sldId="290"/>
-        </pc:sldMkLst>
-      </pc:sldChg>
-      <pc:sldChg chg="addSp delSp modSp mod">
-        <pc:chgData name="Riccardo Berta" userId="c8694f89-bba4-4576-b0a8-456619ca5a8c" providerId="ADAL" clId="{FDDBFC5A-5EA9-5330-BEB8-433D7E3B4C4E}" dt="2025-09-22T11:49:26.172" v="1425" actId="1076"/>
-        <pc:sldMkLst>
-          <pc:docMk/>
-          <pc:sldMk cId="3147600134" sldId="304"/>
-        </pc:sldMkLst>
-        <pc:spChg chg="del">
-          <ac:chgData name="Riccardo Berta" userId="c8694f89-bba4-4576-b0a8-456619ca5a8c" providerId="ADAL" clId="{FDDBFC5A-5EA9-5330-BEB8-433D7E3B4C4E}" dt="2025-09-22T11:42:27.278" v="1313" actId="478"/>
-          <ac:spMkLst>
-            <pc:docMk/>
-            <pc:sldMk cId="3147600134" sldId="304"/>
-            <ac:spMk id="4" creationId="{1963D844-EADA-42D4-BF17-B32198A1E898}"/>
-          </ac:spMkLst>
-        </pc:spChg>
-        <pc:spChg chg="del">
-          <ac:chgData name="Riccardo Berta" userId="c8694f89-bba4-4576-b0a8-456619ca5a8c" providerId="ADAL" clId="{FDDBFC5A-5EA9-5330-BEB8-433D7E3B4C4E}" dt="2025-09-22T11:42:27.278" v="1313" actId="478"/>
-          <ac:spMkLst>
-            <pc:docMk/>
-            <pc:sldMk cId="3147600134" sldId="304"/>
-            <ac:spMk id="5" creationId="{0767C20B-EC79-F29D-FB0B-F9AD1A80AE34}"/>
-          </ac:spMkLst>
-        </pc:spChg>
-        <pc:spChg chg="del">
-          <ac:chgData name="Riccardo Berta" userId="c8694f89-bba4-4576-b0a8-456619ca5a8c" providerId="ADAL" clId="{FDDBFC5A-5EA9-5330-BEB8-433D7E3B4C4E}" dt="2025-09-22T11:42:27.278" v="1313" actId="478"/>
-          <ac:spMkLst>
-            <pc:docMk/>
-            <pc:sldMk cId="3147600134" sldId="304"/>
-            <ac:spMk id="6" creationId="{6CE77770-57EF-7BD4-0606-A42CD22060F4}"/>
-          </ac:spMkLst>
-        </pc:spChg>
-        <pc:spChg chg="del">
-          <ac:chgData name="Riccardo Berta" userId="c8694f89-bba4-4576-b0a8-456619ca5a8c" providerId="ADAL" clId="{FDDBFC5A-5EA9-5330-BEB8-433D7E3B4C4E}" dt="2025-09-22T11:42:27.278" v="1313" actId="478"/>
-          <ac:spMkLst>
-            <pc:docMk/>
-            <pc:sldMk cId="3147600134" sldId="304"/>
-            <ac:spMk id="7" creationId="{A81C203B-5314-6A1F-E9E7-C0D9959B59BD}"/>
-          </ac:spMkLst>
-        </pc:spChg>
-        <pc:spChg chg="del">
-          <ac:chgData name="Riccardo Berta" userId="c8694f89-bba4-4576-b0a8-456619ca5a8c" providerId="ADAL" clId="{FDDBFC5A-5EA9-5330-BEB8-433D7E3B4C4E}" dt="2025-09-22T11:42:27.278" v="1313" actId="478"/>
-          <ac:spMkLst>
-            <pc:docMk/>
-            <pc:sldMk cId="3147600134" sldId="304"/>
-            <ac:spMk id="8" creationId="{6CF24B69-A1FE-D6B4-DC73-E1661B288569}"/>
-          </ac:spMkLst>
-        </pc:spChg>
-        <pc:spChg chg="del">
-          <ac:chgData name="Riccardo Berta" userId="c8694f89-bba4-4576-b0a8-456619ca5a8c" providerId="ADAL" clId="{FDDBFC5A-5EA9-5330-BEB8-433D7E3B4C4E}" dt="2025-09-22T11:42:27.278" v="1313" actId="478"/>
-          <ac:spMkLst>
-            <pc:docMk/>
-            <pc:sldMk cId="3147600134" sldId="304"/>
-            <ac:spMk id="9" creationId="{F2C5E372-095E-284C-D17A-10EBD78BEA12}"/>
-          </ac:spMkLst>
-        </pc:spChg>
-        <pc:spChg chg="del">
-          <ac:chgData name="Riccardo Berta" userId="c8694f89-bba4-4576-b0a8-456619ca5a8c" providerId="ADAL" clId="{FDDBFC5A-5EA9-5330-BEB8-433D7E3B4C4E}" dt="2025-09-22T11:42:27.278" v="1313" actId="478"/>
-          <ac:spMkLst>
-            <pc:docMk/>
-            <pc:sldMk cId="3147600134" sldId="304"/>
-            <ac:spMk id="10" creationId="{4B4A0CE2-DC74-9ACD-B713-462675AD7F4E}"/>
-          </ac:spMkLst>
-        </pc:spChg>
-        <pc:spChg chg="mod">
-          <ac:chgData name="Riccardo Berta" userId="c8694f89-bba4-4576-b0a8-456619ca5a8c" providerId="ADAL" clId="{FDDBFC5A-5EA9-5330-BEB8-433D7E3B4C4E}" dt="2025-09-22T11:47:52.891" v="1412" actId="20577"/>
-          <ac:spMkLst>
-            <pc:docMk/>
-            <pc:sldMk cId="3147600134" sldId="304"/>
-            <ac:spMk id="84" creationId="{6BA5C1EB-9820-B48A-481E-958C13E6575F}"/>
-          </ac:spMkLst>
-        </pc:spChg>
-        <pc:picChg chg="add mod">
-          <ac:chgData name="Riccardo Berta" userId="c8694f89-bba4-4576-b0a8-456619ca5a8c" providerId="ADAL" clId="{FDDBFC5A-5EA9-5330-BEB8-433D7E3B4C4E}" dt="2025-09-22T10:11:28.724" v="1306"/>
-          <ac:picMkLst>
-            <pc:docMk/>
-            <pc:sldMk cId="3147600134" sldId="304"/>
-            <ac:picMk id="12" creationId="{C35FA805-F046-00C5-193F-D8915AA65BAC}"/>
-          </ac:picMkLst>
-        </pc:picChg>
-        <pc:picChg chg="add mod">
-          <ac:chgData name="Riccardo Berta" userId="c8694f89-bba4-4576-b0a8-456619ca5a8c" providerId="ADAL" clId="{FDDBFC5A-5EA9-5330-BEB8-433D7E3B4C4E}" dt="2025-09-22T11:45:24.062" v="1370" actId="1076"/>
-          <ac:picMkLst>
-            <pc:docMk/>
-            <pc:sldMk cId="3147600134" sldId="304"/>
-            <ac:picMk id="14" creationId="{F1739776-AC47-3A07-41A1-B46AFCF6AAF2}"/>
-          </ac:picMkLst>
-        </pc:picChg>
-        <pc:picChg chg="add del mod">
-          <ac:chgData name="Riccardo Berta" userId="c8694f89-bba4-4576-b0a8-456619ca5a8c" providerId="ADAL" clId="{FDDBFC5A-5EA9-5330-BEB8-433D7E3B4C4E}" dt="2025-09-22T11:47:55.965" v="1413" actId="478"/>
-          <ac:picMkLst>
-            <pc:docMk/>
-            <pc:sldMk cId="3147600134" sldId="304"/>
-            <ac:picMk id="16" creationId="{8DAE5E34-FC8F-98BF-81E9-27AB7F6A9370}"/>
-          </ac:picMkLst>
-        </pc:picChg>
-        <pc:picChg chg="add del mod">
-          <ac:chgData name="Riccardo Berta" userId="c8694f89-bba4-4576-b0a8-456619ca5a8c" providerId="ADAL" clId="{FDDBFC5A-5EA9-5330-BEB8-433D7E3B4C4E}" dt="2025-09-22T11:49:06.422" v="1418" actId="478"/>
-          <ac:picMkLst>
-            <pc:docMk/>
-            <pc:sldMk cId="3147600134" sldId="304"/>
-            <ac:picMk id="18" creationId="{5972086A-A735-E79E-905A-B75B91920BAF}"/>
-          </ac:picMkLst>
-        </pc:picChg>
-        <pc:picChg chg="add mod">
-          <ac:chgData name="Riccardo Berta" userId="c8694f89-bba4-4576-b0a8-456619ca5a8c" providerId="ADAL" clId="{FDDBFC5A-5EA9-5330-BEB8-433D7E3B4C4E}" dt="2025-09-22T11:47:29.229" v="1405" actId="1076"/>
-          <ac:picMkLst>
-            <pc:docMk/>
-            <pc:sldMk cId="3147600134" sldId="304"/>
-            <ac:picMk id="20" creationId="{8BCEA7C1-255B-5EC6-D520-861A5786AB48}"/>
-          </ac:picMkLst>
-        </pc:picChg>
-        <pc:picChg chg="add mod">
-          <ac:chgData name="Riccardo Berta" userId="c8694f89-bba4-4576-b0a8-456619ca5a8c" providerId="ADAL" clId="{FDDBFC5A-5EA9-5330-BEB8-433D7E3B4C4E}" dt="2025-09-22T11:49:26.172" v="1425" actId="1076"/>
-          <ac:picMkLst>
-            <pc:docMk/>
-            <pc:sldMk cId="3147600134" sldId="304"/>
-            <ac:picMk id="22" creationId="{0D90F8F1-D992-6018-4A47-DADE1C3D62E7}"/>
-          </ac:picMkLst>
-        </pc:picChg>
-        <pc:picChg chg="add mod">
-          <ac:chgData name="Riccardo Berta" userId="c8694f89-bba4-4576-b0a8-456619ca5a8c" providerId="ADAL" clId="{FDDBFC5A-5EA9-5330-BEB8-433D7E3B4C4E}" dt="2025-09-22T11:49:20.823" v="1424" actId="1037"/>
-          <ac:picMkLst>
-            <pc:docMk/>
-            <pc:sldMk cId="3147600134" sldId="304"/>
-            <ac:picMk id="24" creationId="{2BD6D13C-6280-3481-DB21-B26364C134BD}"/>
-          </ac:picMkLst>
-        </pc:picChg>
-      </pc:sldChg>
-      <pc:sldChg chg="addSp modSp add mod">
-        <pc:chgData name="Riccardo Berta" userId="c8694f89-bba4-4576-b0a8-456619ca5a8c" providerId="ADAL" clId="{FDDBFC5A-5EA9-5330-BEB8-433D7E3B4C4E}" dt="2025-09-22T11:44:45.970" v="1363" actId="1035"/>
-        <pc:sldMkLst>
-          <pc:docMk/>
-          <pc:sldMk cId="3033713510" sldId="305"/>
-        </pc:sldMkLst>
-        <pc:spChg chg="mod">
-          <ac:chgData name="Riccardo Berta" userId="c8694f89-bba4-4576-b0a8-456619ca5a8c" providerId="ADAL" clId="{FDDBFC5A-5EA9-5330-BEB8-433D7E3B4C4E}" dt="2025-09-22T11:44:19.047" v="1353" actId="1035"/>
-          <ac:spMkLst>
-            <pc:docMk/>
-            <pc:sldMk cId="3033713510" sldId="305"/>
-            <ac:spMk id="84" creationId="{F260D9FD-6017-D702-2CD2-EA29E1AE17D6}"/>
-          </ac:spMkLst>
-        </pc:spChg>
-        <pc:picChg chg="add mod">
-          <ac:chgData name="Riccardo Berta" userId="c8694f89-bba4-4576-b0a8-456619ca5a8c" providerId="ADAL" clId="{FDDBFC5A-5EA9-5330-BEB8-433D7E3B4C4E}" dt="2025-09-22T11:44:41.214" v="1359" actId="1035"/>
-          <ac:picMkLst>
-            <pc:docMk/>
-            <pc:sldMk cId="3033713510" sldId="305"/>
-            <ac:picMk id="3" creationId="{314575AF-EF00-5436-04CE-E4154EFAB37F}"/>
-          </ac:picMkLst>
-        </pc:picChg>
-        <pc:picChg chg="add mod">
-          <ac:chgData name="Riccardo Berta" userId="c8694f89-bba4-4576-b0a8-456619ca5a8c" providerId="ADAL" clId="{FDDBFC5A-5EA9-5330-BEB8-433D7E3B4C4E}" dt="2025-09-22T11:44:43.644" v="1361" actId="1035"/>
-          <ac:picMkLst>
-            <pc:docMk/>
-            <pc:sldMk cId="3033713510" sldId="305"/>
-            <ac:picMk id="5" creationId="{F7ECEA8D-7E41-B412-58BC-7C04A5D6E7E1}"/>
-          </ac:picMkLst>
-        </pc:picChg>
-        <pc:picChg chg="add mod">
-          <ac:chgData name="Riccardo Berta" userId="c8694f89-bba4-4576-b0a8-456619ca5a8c" providerId="ADAL" clId="{FDDBFC5A-5EA9-5330-BEB8-433D7E3B4C4E}" dt="2025-09-22T11:44:45.970" v="1363" actId="1035"/>
-          <ac:picMkLst>
-            <pc:docMk/>
-            <pc:sldMk cId="3033713510" sldId="305"/>
-            <ac:picMk id="7" creationId="{6AF5DFBF-07EA-71F0-EC5D-450A534F9E4B}"/>
-          </ac:picMkLst>
-        </pc:picChg>
-      </pc:sldChg>
-      <pc:sldChg chg="addSp delSp modSp add mod">
-        <pc:chgData name="Riccardo Berta" userId="c8694f89-bba4-4576-b0a8-456619ca5a8c" providerId="ADAL" clId="{FDDBFC5A-5EA9-5330-BEB8-433D7E3B4C4E}" dt="2025-09-22T12:00:41.496" v="1458" actId="1076"/>
-        <pc:sldMkLst>
-          <pc:docMk/>
-          <pc:sldMk cId="36813363" sldId="306"/>
-        </pc:sldMkLst>
-        <pc:spChg chg="mod">
-          <ac:chgData name="Riccardo Berta" userId="c8694f89-bba4-4576-b0a8-456619ca5a8c" providerId="ADAL" clId="{FDDBFC5A-5EA9-5330-BEB8-433D7E3B4C4E}" dt="2025-09-22T11:47:47.126" v="1411" actId="20577"/>
-          <ac:spMkLst>
-            <pc:docMk/>
-            <pc:sldMk cId="36813363" sldId="306"/>
-            <ac:spMk id="83" creationId="{E4D46B0F-4DFC-076B-34F6-7FD1D320360F}"/>
-          </ac:spMkLst>
-        </pc:spChg>
-        <pc:spChg chg="mod">
-          <ac:chgData name="Riccardo Berta" userId="c8694f89-bba4-4576-b0a8-456619ca5a8c" providerId="ADAL" clId="{FDDBFC5A-5EA9-5330-BEB8-433D7E3B4C4E}" dt="2025-09-22T11:52:03.832" v="1450" actId="20577"/>
-          <ac:spMkLst>
-            <pc:docMk/>
-            <pc:sldMk cId="36813363" sldId="306"/>
-            <ac:spMk id="84" creationId="{A36B3E3B-314E-AD7C-EB9D-F9F543CC8166}"/>
-          </ac:spMkLst>
-        </pc:spChg>
-        <pc:picChg chg="add mod">
-          <ac:chgData name="Riccardo Berta" userId="c8694f89-bba4-4576-b0a8-456619ca5a8c" providerId="ADAL" clId="{FDDBFC5A-5EA9-5330-BEB8-433D7E3B4C4E}" dt="2025-09-22T11:52:01.275" v="1447" actId="1076"/>
-          <ac:picMkLst>
-            <pc:docMk/>
-            <pc:sldMk cId="36813363" sldId="306"/>
-            <ac:picMk id="3" creationId="{1FBB5CE8-DBE2-88EE-2655-E265EFEAC72F}"/>
-          </ac:picMkLst>
-        </pc:picChg>
-        <pc:picChg chg="add mod">
-          <ac:chgData name="Riccardo Berta" userId="c8694f89-bba4-4576-b0a8-456619ca5a8c" providerId="ADAL" clId="{FDDBFC5A-5EA9-5330-BEB8-433D7E3B4C4E}" dt="2025-09-22T11:52:26.311" v="1454" actId="1076"/>
-          <ac:picMkLst>
-            <pc:docMk/>
-            <pc:sldMk cId="36813363" sldId="306"/>
-            <ac:picMk id="5" creationId="{DEBE264D-BA36-FC9D-104C-50A3D0129A41}"/>
-          </ac:picMkLst>
-        </pc:picChg>
-        <pc:picChg chg="add mod">
-          <ac:chgData name="Riccardo Berta" userId="c8694f89-bba4-4576-b0a8-456619ca5a8c" providerId="ADAL" clId="{FDDBFC5A-5EA9-5330-BEB8-433D7E3B4C4E}" dt="2025-09-22T12:00:41.496" v="1458" actId="1076"/>
-          <ac:picMkLst>
-            <pc:docMk/>
-            <pc:sldMk cId="36813363" sldId="306"/>
-            <ac:picMk id="7" creationId="{DE1EB8D9-982C-0A0B-C562-6A5B88CFBB8E}"/>
-          </ac:picMkLst>
-        </pc:picChg>
-        <pc:picChg chg="del">
-          <ac:chgData name="Riccardo Berta" userId="c8694f89-bba4-4576-b0a8-456619ca5a8c" providerId="ADAL" clId="{FDDBFC5A-5EA9-5330-BEB8-433D7E3B4C4E}" dt="2025-09-22T11:49:31.875" v="1426" actId="478"/>
-          <ac:picMkLst>
-            <pc:docMk/>
-            <pc:sldMk cId="36813363" sldId="306"/>
-            <ac:picMk id="14" creationId="{960746A8-49DF-E17D-7318-14CABCF7B9DA}"/>
-          </ac:picMkLst>
-        </pc:picChg>
-        <pc:picChg chg="del">
-          <ac:chgData name="Riccardo Berta" userId="c8694f89-bba4-4576-b0a8-456619ca5a8c" providerId="ADAL" clId="{FDDBFC5A-5EA9-5330-BEB8-433D7E3B4C4E}" dt="2025-09-22T11:50:07.127" v="1443" actId="478"/>
-          <ac:picMkLst>
-            <pc:docMk/>
-            <pc:sldMk cId="36813363" sldId="306"/>
-            <ac:picMk id="16" creationId="{E2F8D3D9-C526-7A6B-2D44-17DADB0AFAD2}"/>
-          </ac:picMkLst>
-        </pc:picChg>
-        <pc:picChg chg="mod">
-          <ac:chgData name="Riccardo Berta" userId="c8694f89-bba4-4576-b0a8-456619ca5a8c" providerId="ADAL" clId="{FDDBFC5A-5EA9-5330-BEB8-433D7E3B4C4E}" dt="2025-09-22T11:50:00.178" v="1433" actId="1076"/>
-          <ac:picMkLst>
-            <pc:docMk/>
-            <pc:sldMk cId="36813363" sldId="306"/>
-            <ac:picMk id="18" creationId="{E40B50C5-9ED6-B729-B3BC-75E82CE8BFE7}"/>
-          </ac:picMkLst>
-        </pc:picChg>
-        <pc:picChg chg="del">
-          <ac:chgData name="Riccardo Berta" userId="c8694f89-bba4-4576-b0a8-456619ca5a8c" providerId="ADAL" clId="{FDDBFC5A-5EA9-5330-BEB8-433D7E3B4C4E}" dt="2025-09-22T11:49:32.349" v="1427" actId="478"/>
-          <ac:picMkLst>
-            <pc:docMk/>
-            <pc:sldMk cId="36813363" sldId="306"/>
-            <ac:picMk id="20" creationId="{B6CE3CA2-25FE-4B4A-AC58-20DC1BE13D49}"/>
-          </ac:picMkLst>
-        </pc:picChg>
-      </pc:sldChg>
-    </pc:docChg>
-  </pc:docChgLst>
-  <pc:docChgLst>
-    <pc:chgData name="Riccardo Berta" userId="c8694f89-bba4-4576-b0a8-456619ca5a8c" providerId="ADAL" clId="{35C5D11B-424E-5B41-A9C4-509DD0A59BFD}"/>
-    <pc:docChg chg="custSel delSld modSld sldOrd">
-      <pc:chgData name="Riccardo Berta" userId="c8694f89-bba4-4576-b0a8-456619ca5a8c" providerId="ADAL" clId="{35C5D11B-424E-5B41-A9C4-509DD0A59BFD}" dt="2022-04-01T12:12:56.906" v="135" actId="20577"/>
-      <pc:docMkLst>
-        <pc:docMk/>
-      </pc:docMkLst>
-      <pc:sldChg chg="modSp">
-        <pc:chgData name="Riccardo Berta" userId="c8694f89-bba4-4576-b0a8-456619ca5a8c" providerId="ADAL" clId="{35C5D11B-424E-5B41-A9C4-509DD0A59BFD}" dt="2022-03-22T07:34:03.014" v="5"/>
-        <pc:sldMkLst>
-          <pc:docMk/>
-          <pc:sldMk cId="0" sldId="257"/>
-        </pc:sldMkLst>
-      </pc:sldChg>
-      <pc:sldChg chg="modSp">
-        <pc:chgData name="Riccardo Berta" userId="c8694f89-bba4-4576-b0a8-456619ca5a8c" providerId="ADAL" clId="{35C5D11B-424E-5B41-A9C4-509DD0A59BFD}" dt="2022-03-22T07:34:23.187" v="6"/>
-        <pc:sldMkLst>
-          <pc:docMk/>
-          <pc:sldMk cId="1899110855" sldId="258"/>
-        </pc:sldMkLst>
-      </pc:sldChg>
-      <pc:sldChg chg="modSp">
-        <pc:chgData name="Riccardo Berta" userId="c8694f89-bba4-4576-b0a8-456619ca5a8c" providerId="ADAL" clId="{35C5D11B-424E-5B41-A9C4-509DD0A59BFD}" dt="2022-03-22T07:39:20.191" v="16"/>
-        <pc:sldMkLst>
-          <pc:docMk/>
-          <pc:sldMk cId="3018556184" sldId="259"/>
-        </pc:sldMkLst>
-      </pc:sldChg>
-      <pc:sldChg chg="modSp mod">
-        <pc:chgData name="Riccardo Berta" userId="c8694f89-bba4-4576-b0a8-456619ca5a8c" providerId="ADAL" clId="{35C5D11B-424E-5B41-A9C4-509DD0A59BFD}" dt="2022-03-23T07:58:19.601" v="41" actId="20577"/>
-        <pc:sldMkLst>
-          <pc:docMk/>
-          <pc:sldMk cId="1104208334" sldId="260"/>
-        </pc:sldMkLst>
-      </pc:sldChg>
-      <pc:sldChg chg="modSp">
-        <pc:chgData name="Riccardo Berta" userId="c8694f89-bba4-4576-b0a8-456619ca5a8c" providerId="ADAL" clId="{35C5D11B-424E-5B41-A9C4-509DD0A59BFD}" dt="2022-03-22T07:42:45.729" v="19"/>
-        <pc:sldMkLst>
-          <pc:docMk/>
-          <pc:sldMk cId="1290395919" sldId="261"/>
-        </pc:sldMkLst>
-      </pc:sldChg>
-      <pc:sldChg chg="modSp mod modNotes">
-        <pc:chgData name="Riccardo Berta" userId="c8694f89-bba4-4576-b0a8-456619ca5a8c" providerId="ADAL" clId="{35C5D11B-424E-5B41-A9C4-509DD0A59BFD}" dt="2022-03-25T14:38:53.205" v="88" actId="20577"/>
-        <pc:sldMkLst>
-          <pc:docMk/>
-          <pc:sldMk cId="4130549615" sldId="262"/>
-        </pc:sldMkLst>
-      </pc:sldChg>
-      <pc:sldChg chg="modSp">
-        <pc:chgData name="Riccardo Berta" userId="c8694f89-bba4-4576-b0a8-456619ca5a8c" providerId="ADAL" clId="{35C5D11B-424E-5B41-A9C4-509DD0A59BFD}" dt="2022-03-22T07:43:16.691" v="21"/>
-        <pc:sldMkLst>
-          <pc:docMk/>
-          <pc:sldMk cId="3102138681" sldId="263"/>
-        </pc:sldMkLst>
-      </pc:sldChg>
-      <pc:sldChg chg="modSp mod">
-        <pc:chgData name="Riccardo Berta" userId="c8694f89-bba4-4576-b0a8-456619ca5a8c" providerId="ADAL" clId="{35C5D11B-424E-5B41-A9C4-509DD0A59BFD}" dt="2022-03-25T15:16:54.434" v="126" actId="20577"/>
-        <pc:sldMkLst>
-          <pc:docMk/>
-          <pc:sldMk cId="2113557187" sldId="264"/>
-        </pc:sldMkLst>
-      </pc:sldChg>
-      <pc:sldChg chg="modSp">
-        <pc:chgData name="Riccardo Berta" userId="c8694f89-bba4-4576-b0a8-456619ca5a8c" providerId="ADAL" clId="{35C5D11B-424E-5B41-A9C4-509DD0A59BFD}" dt="2022-03-22T07:44:03.240" v="24"/>
-        <pc:sldMkLst>
-          <pc:docMk/>
-          <pc:sldMk cId="2045385232" sldId="265"/>
-        </pc:sldMkLst>
-      </pc:sldChg>
-      <pc:sldChg chg="modSp">
-        <pc:chgData name="Riccardo Berta" userId="c8694f89-bba4-4576-b0a8-456619ca5a8c" providerId="ADAL" clId="{35C5D11B-424E-5B41-A9C4-509DD0A59BFD}" dt="2022-03-22T07:44:22.734" v="25"/>
-        <pc:sldMkLst>
-          <pc:docMk/>
-          <pc:sldMk cId="4181844165" sldId="266"/>
-        </pc:sldMkLst>
-      </pc:sldChg>
-      <pc:sldChg chg="modSp mod">
-        <pc:chgData name="Riccardo Berta" userId="c8694f89-bba4-4576-b0a8-456619ca5a8c" providerId="ADAL" clId="{35C5D11B-424E-5B41-A9C4-509DD0A59BFD}" dt="2022-04-01T12:12:56.906" v="135" actId="20577"/>
-        <pc:sldMkLst>
-          <pc:docMk/>
-          <pc:sldMk cId="216455838" sldId="267"/>
-        </pc:sldMkLst>
-      </pc:sldChg>
-      <pc:sldChg chg="del">
-        <pc:chgData name="Riccardo Berta" userId="c8694f89-bba4-4576-b0a8-456619ca5a8c" providerId="ADAL" clId="{35C5D11B-424E-5B41-A9C4-509DD0A59BFD}" dt="2022-03-22T07:29:13.529" v="3" actId="2696"/>
-        <pc:sldMkLst>
-          <pc:docMk/>
-          <pc:sldMk cId="925286286" sldId="268"/>
-        </pc:sldMkLst>
-      </pc:sldChg>
-      <pc:sldChg chg="modSp">
-        <pc:chgData name="Riccardo Berta" userId="c8694f89-bba4-4576-b0a8-456619ca5a8c" providerId="ADAL" clId="{35C5D11B-424E-5B41-A9C4-509DD0A59BFD}" dt="2022-03-22T07:44:59.403" v="28"/>
-        <pc:sldMkLst>
-          <pc:docMk/>
-          <pc:sldMk cId="3471997037" sldId="269"/>
-        </pc:sldMkLst>
-      </pc:sldChg>
-      <pc:sldChg chg="modSp mod">
-        <pc:chgData name="Riccardo Berta" userId="c8694f89-bba4-4576-b0a8-456619ca5a8c" providerId="ADAL" clId="{35C5D11B-424E-5B41-A9C4-509DD0A59BFD}" dt="2022-03-22T07:47:03.443" v="33"/>
-        <pc:sldMkLst>
-          <pc:docMk/>
-          <pc:sldMk cId="3130917410" sldId="270"/>
-        </pc:sldMkLst>
-      </pc:sldChg>
-      <pc:sldChg chg="modSp mod">
-        <pc:chgData name="Riccardo Berta" userId="c8694f89-bba4-4576-b0a8-456619ca5a8c" providerId="ADAL" clId="{35C5D11B-424E-5B41-A9C4-509DD0A59BFD}" dt="2022-03-22T07:47:51.976" v="38"/>
-        <pc:sldMkLst>
-          <pc:docMk/>
-          <pc:sldMk cId="2266699268" sldId="271"/>
-        </pc:sldMkLst>
-      </pc:sldChg>
-      <pc:sldChg chg="modSp mod ord">
-        <pc:chgData name="Riccardo Berta" userId="c8694f89-bba4-4576-b0a8-456619ca5a8c" providerId="ADAL" clId="{35C5D11B-424E-5B41-A9C4-509DD0A59BFD}" dt="2022-03-22T07:29:04.952" v="2"/>
-        <pc:sldMkLst>
-          <pc:docMk/>
-          <pc:sldMk cId="993270251" sldId="272"/>
-        </pc:sldMkLst>
-      </pc:sldChg>
-      <pc:sldChg chg="modSp">
-        <pc:chgData name="Riccardo Berta" userId="c8694f89-bba4-4576-b0a8-456619ca5a8c" providerId="ADAL" clId="{35C5D11B-424E-5B41-A9C4-509DD0A59BFD}" dt="2022-03-22T07:48:04.230" v="39"/>
-        <pc:sldMkLst>
-          <pc:docMk/>
-          <pc:sldMk cId="3843819371" sldId="273"/>
-        </pc:sldMkLst>
-      </pc:sldChg>
-      <pc:sldChg chg="modSp">
-        <pc:chgData name="Riccardo Berta" userId="c8694f89-bba4-4576-b0a8-456619ca5a8c" providerId="ADAL" clId="{35C5D11B-424E-5B41-A9C4-509DD0A59BFD}" dt="2022-03-22T07:48:21.111" v="40"/>
-        <pc:sldMkLst>
-          <pc:docMk/>
-          <pc:sldMk cId="284781631" sldId="275"/>
-        </pc:sldMkLst>
-      </pc:sldChg>
-    </pc:docChg>
-  </pc:docChgLst>
-  <pc:docChgLst>
-    <pc:chgData name="Riccardo Berta" userId="c8694f89-bba4-4576-b0a8-456619ca5a8c" providerId="ADAL" clId="{58424B7E-67A2-E24B-9516-C248AFA19009}"/>
-    <pc:docChg chg="undo custSel addSld delSld modSld sldOrd modMainMaster">
-      <pc:chgData name="Riccardo Berta" userId="c8694f89-bba4-4576-b0a8-456619ca5a8c" providerId="ADAL" clId="{58424B7E-67A2-E24B-9516-C248AFA19009}" dt="2022-08-30T09:41:00.751" v="1457" actId="20577"/>
+      <pc:chgData name="Riccardo Berta" userId="c8694f89-bba4-4576-b0a8-456619ca5a8c" providerId="ADAL" clId="{FDDBFC5A-5EA9-5330-BEB8-433D7E3B4C4E}" dt="2025-10-24T07:30:22.876" v="2765" actId="20577"/>
       <pc:docMkLst>
         <pc:docMk/>
       </pc:docMkLst>
       <pc:sldChg chg="modSp mod">
-        <pc:chgData name="Riccardo Berta" userId="c8694f89-bba4-4576-b0a8-456619ca5a8c" providerId="ADAL" clId="{58424B7E-67A2-E24B-9516-C248AFA19009}" dt="2022-08-30T09:38:38.114" v="1432" actId="790"/>
+        <pc:chgData name="Riccardo Berta" userId="c8694f89-bba4-4576-b0a8-456619ca5a8c" providerId="ADAL" clId="{FDDBFC5A-5EA9-5330-BEB8-433D7E3B4C4E}" dt="2025-10-24T07:30:22.876" v="2765" actId="20577"/>
         <pc:sldMkLst>
           <pc:docMk/>
-          <pc:sldMk cId="0" sldId="256"/>
+          <pc:sldMk cId="1918423602" sldId="286"/>
         </pc:sldMkLst>
-      </pc:sldChg>
-      <pc:sldChg chg="addSp modSp mod">
-        <pc:chgData name="Riccardo Berta" userId="c8694f89-bba4-4576-b0a8-456619ca5a8c" providerId="ADAL" clId="{58424B7E-67A2-E24B-9516-C248AFA19009}" dt="2022-08-30T09:37:52.468" v="1397" actId="20577"/>
-        <pc:sldMkLst>
-          <pc:docMk/>
-          <pc:sldMk cId="0" sldId="257"/>
-        </pc:sldMkLst>
-      </pc:sldChg>
-      <pc:sldChg chg="modSp mod">
-        <pc:chgData name="Riccardo Berta" userId="c8694f89-bba4-4576-b0a8-456619ca5a8c" providerId="ADAL" clId="{58424B7E-67A2-E24B-9516-C248AFA19009}" dt="2022-08-30T09:41:00.751" v="1457" actId="20577"/>
-        <pc:sldMkLst>
-          <pc:docMk/>
-          <pc:sldMk cId="3018556184" sldId="259"/>
-        </pc:sldMkLst>
-      </pc:sldChg>
-      <pc:sldChg chg="del">
-        <pc:chgData name="Riccardo Berta" userId="c8694f89-bba4-4576-b0a8-456619ca5a8c" providerId="ADAL" clId="{58424B7E-67A2-E24B-9516-C248AFA19009}" dt="2022-08-30T08:44:09.932" v="12" actId="2696"/>
-        <pc:sldMkLst>
-          <pc:docMk/>
-          <pc:sldMk cId="1066709261" sldId="260"/>
-        </pc:sldMkLst>
-      </pc:sldChg>
-      <pc:sldChg chg="addSp modSp add mod">
-        <pc:chgData name="Riccardo Berta" userId="c8694f89-bba4-4576-b0a8-456619ca5a8c" providerId="ADAL" clId="{58424B7E-67A2-E24B-9516-C248AFA19009}" dt="2022-08-30T09:38:04.406" v="1411" actId="20577"/>
-        <pc:sldMkLst>
-          <pc:docMk/>
-          <pc:sldMk cId="3692252167" sldId="260"/>
-        </pc:sldMkLst>
-      </pc:sldChg>
-      <pc:sldChg chg="addSp modSp add mod">
-        <pc:chgData name="Riccardo Berta" userId="c8694f89-bba4-4576-b0a8-456619ca5a8c" providerId="ADAL" clId="{58424B7E-67A2-E24B-9516-C248AFA19009}" dt="2022-08-30T09:35:29.211" v="1307" actId="21"/>
-        <pc:sldMkLst>
-          <pc:docMk/>
-          <pc:sldMk cId="846979211" sldId="261"/>
-        </pc:sldMkLst>
-      </pc:sldChg>
-      <pc:sldChg chg="modSp add mod">
-        <pc:chgData name="Riccardo Berta" userId="c8694f89-bba4-4576-b0a8-456619ca5a8c" providerId="ADAL" clId="{58424B7E-67A2-E24B-9516-C248AFA19009}" dt="2022-08-30T09:19:27.119" v="830" actId="20577"/>
-        <pc:sldMkLst>
-          <pc:docMk/>
-          <pc:sldMk cId="447929702" sldId="262"/>
-        </pc:sldMkLst>
-      </pc:sldChg>
-      <pc:sldChg chg="addSp modSp add mod ord">
-        <pc:chgData name="Riccardo Berta" userId="c8694f89-bba4-4576-b0a8-456619ca5a8c" providerId="ADAL" clId="{58424B7E-67A2-E24B-9516-C248AFA19009}" dt="2022-08-30T09:40:40.663" v="1434" actId="20578"/>
-        <pc:sldMkLst>
-          <pc:docMk/>
-          <pc:sldMk cId="11402927" sldId="263"/>
-        </pc:sldMkLst>
-      </pc:sldChg>
-      <pc:sldChg chg="del">
-        <pc:chgData name="Riccardo Berta" userId="c8694f89-bba4-4576-b0a8-456619ca5a8c" providerId="ADAL" clId="{58424B7E-67A2-E24B-9516-C248AFA19009}" dt="2022-08-30T08:44:10.781" v="14" actId="2696"/>
-        <pc:sldMkLst>
-          <pc:docMk/>
-          <pc:sldMk cId="2190566097" sldId="263"/>
-        </pc:sldMkLst>
-      </pc:sldChg>
-      <pc:sldChg chg="modSp add mod ord">
-        <pc:chgData name="Riccardo Berta" userId="c8694f89-bba4-4576-b0a8-456619ca5a8c" providerId="ADAL" clId="{58424B7E-67A2-E24B-9516-C248AFA19009}" dt="2022-08-30T09:40:38.066" v="1433" actId="20578"/>
-        <pc:sldMkLst>
-          <pc:docMk/>
-          <pc:sldMk cId="2794482370" sldId="264"/>
-        </pc:sldMkLst>
-      </pc:sldChg>
-      <pc:sldChg chg="del">
-        <pc:chgData name="Riccardo Berta" userId="c8694f89-bba4-4576-b0a8-456619ca5a8c" providerId="ADAL" clId="{58424B7E-67A2-E24B-9516-C248AFA19009}" dt="2022-08-30T08:44:11.185" v="15" actId="2696"/>
-        <pc:sldMkLst>
-          <pc:docMk/>
-          <pc:sldMk cId="3888810046" sldId="264"/>
-        </pc:sldMkLst>
-      </pc:sldChg>
-      <pc:sldChg chg="add del">
-        <pc:chgData name="Riccardo Berta" userId="c8694f89-bba4-4576-b0a8-456619ca5a8c" providerId="ADAL" clId="{58424B7E-67A2-E24B-9516-C248AFA19009}" dt="2022-08-30T09:40:43.113" v="1435" actId="2696"/>
-        <pc:sldMkLst>
-          <pc:docMk/>
-          <pc:sldMk cId="1840044115" sldId="265"/>
-        </pc:sldMkLst>
-      </pc:sldChg>
-      <pc:sldChg chg="del">
-        <pc:chgData name="Riccardo Berta" userId="c8694f89-bba4-4576-b0a8-456619ca5a8c" providerId="ADAL" clId="{58424B7E-67A2-E24B-9516-C248AFA19009}" dt="2022-08-30T08:44:10.392" v="13" actId="2696"/>
-        <pc:sldMkLst>
-          <pc:docMk/>
-          <pc:sldMk cId="2733657070" sldId="265"/>
-        </pc:sldMkLst>
-      </pc:sldChg>
-      <pc:sldChg chg="del">
-        <pc:chgData name="Riccardo Berta" userId="c8694f89-bba4-4576-b0a8-456619ca5a8c" providerId="ADAL" clId="{58424B7E-67A2-E24B-9516-C248AFA19009}" dt="2022-08-30T08:44:11.546" v="16" actId="2696"/>
-        <pc:sldMkLst>
-          <pc:docMk/>
-          <pc:sldMk cId="2836957529" sldId="266"/>
-        </pc:sldMkLst>
-      </pc:sldChg>
-      <pc:sldChg chg="add del">
-        <pc:chgData name="Riccardo Berta" userId="c8694f89-bba4-4576-b0a8-456619ca5a8c" providerId="ADAL" clId="{58424B7E-67A2-E24B-9516-C248AFA19009}" dt="2022-08-30T09:40:44.686" v="1436" actId="2696"/>
-        <pc:sldMkLst>
-          <pc:docMk/>
-          <pc:sldMk cId="3173063083" sldId="266"/>
-        </pc:sldMkLst>
-      </pc:sldChg>
-      <pc:sldChg chg="del">
-        <pc:chgData name="Riccardo Berta" userId="c8694f89-bba4-4576-b0a8-456619ca5a8c" providerId="ADAL" clId="{58424B7E-67A2-E24B-9516-C248AFA19009}" dt="2022-08-30T08:44:11.879" v="17" actId="2696"/>
-        <pc:sldMkLst>
-          <pc:docMk/>
-          <pc:sldMk cId="3519359877" sldId="267"/>
-        </pc:sldMkLst>
-      </pc:sldChg>
-      <pc:sldChg chg="add del">
-        <pc:chgData name="Riccardo Berta" userId="c8694f89-bba4-4576-b0a8-456619ca5a8c" providerId="ADAL" clId="{58424B7E-67A2-E24B-9516-C248AFA19009}" dt="2022-08-30T09:40:45.351" v="1437" actId="2696"/>
-        <pc:sldMkLst>
-          <pc:docMk/>
-          <pc:sldMk cId="4284808824" sldId="267"/>
-        </pc:sldMkLst>
-      </pc:sldChg>
-      <pc:sldChg chg="add del">
-        <pc:chgData name="Riccardo Berta" userId="c8694f89-bba4-4576-b0a8-456619ca5a8c" providerId="ADAL" clId="{58424B7E-67A2-E24B-9516-C248AFA19009}" dt="2022-08-30T09:40:46.386" v="1438" actId="2696"/>
-        <pc:sldMkLst>
-          <pc:docMk/>
-          <pc:sldMk cId="2262434218" sldId="268"/>
-        </pc:sldMkLst>
-      </pc:sldChg>
-      <pc:sldChg chg="del">
-        <pc:chgData name="Riccardo Berta" userId="c8694f89-bba4-4576-b0a8-456619ca5a8c" providerId="ADAL" clId="{58424B7E-67A2-E24B-9516-C248AFA19009}" dt="2022-08-30T08:44:12.296" v="18" actId="2696"/>
-        <pc:sldMkLst>
-          <pc:docMk/>
-          <pc:sldMk cId="3883776362" sldId="268"/>
-        </pc:sldMkLst>
-      </pc:sldChg>
-      <pc:sldChg chg="del">
-        <pc:chgData name="Riccardo Berta" userId="c8694f89-bba4-4576-b0a8-456619ca5a8c" providerId="ADAL" clId="{58424B7E-67A2-E24B-9516-C248AFA19009}" dt="2022-08-30T08:44:12.734" v="19" actId="2696"/>
-        <pc:sldMkLst>
-          <pc:docMk/>
-          <pc:sldMk cId="482081013" sldId="269"/>
-        </pc:sldMkLst>
-      </pc:sldChg>
-      <pc:sldChg chg="del">
-        <pc:chgData name="Riccardo Berta" userId="c8694f89-bba4-4576-b0a8-456619ca5a8c" providerId="ADAL" clId="{58424B7E-67A2-E24B-9516-C248AFA19009}" dt="2022-08-30T08:44:13.162" v="20" actId="2696"/>
-        <pc:sldMkLst>
-          <pc:docMk/>
-          <pc:sldMk cId="761532774" sldId="270"/>
-        </pc:sldMkLst>
-      </pc:sldChg>
-      <pc:sldChg chg="del">
-        <pc:chgData name="Riccardo Berta" userId="c8694f89-bba4-4576-b0a8-456619ca5a8c" providerId="ADAL" clId="{58424B7E-67A2-E24B-9516-C248AFA19009}" dt="2022-08-30T08:44:13.596" v="21" actId="2696"/>
-        <pc:sldMkLst>
-          <pc:docMk/>
-          <pc:sldMk cId="3967202540" sldId="271"/>
-        </pc:sldMkLst>
-      </pc:sldChg>
-      <pc:sldChg chg="del">
-        <pc:chgData name="Riccardo Berta" userId="c8694f89-bba4-4576-b0a8-456619ca5a8c" providerId="ADAL" clId="{58424B7E-67A2-E24B-9516-C248AFA19009}" dt="2022-08-30T08:44:14.037" v="22" actId="2696"/>
-        <pc:sldMkLst>
-          <pc:docMk/>
-          <pc:sldMk cId="2355894371" sldId="272"/>
-        </pc:sldMkLst>
-      </pc:sldChg>
-      <pc:sldChg chg="del">
-        <pc:chgData name="Riccardo Berta" userId="c8694f89-bba4-4576-b0a8-456619ca5a8c" providerId="ADAL" clId="{58424B7E-67A2-E24B-9516-C248AFA19009}" dt="2022-08-30T08:44:14.570" v="23" actId="2696"/>
-        <pc:sldMkLst>
-          <pc:docMk/>
-          <pc:sldMk cId="3843819371" sldId="273"/>
-        </pc:sldMkLst>
-      </pc:sldChg>
-      <pc:sldChg chg="del">
-        <pc:chgData name="Riccardo Berta" userId="c8694f89-bba4-4576-b0a8-456619ca5a8c" providerId="ADAL" clId="{58424B7E-67A2-E24B-9516-C248AFA19009}" dt="2022-08-30T08:44:15.613" v="24" actId="2696"/>
-        <pc:sldMkLst>
-          <pc:docMk/>
-          <pc:sldMk cId="806177680" sldId="274"/>
-        </pc:sldMkLst>
-      </pc:sldChg>
-      <pc:sldChg chg="del">
-        <pc:chgData name="Riccardo Berta" userId="c8694f89-bba4-4576-b0a8-456619ca5a8c" providerId="ADAL" clId="{58424B7E-67A2-E24B-9516-C248AFA19009}" dt="2022-08-30T08:44:16.250" v="25" actId="2696"/>
-        <pc:sldMkLst>
-          <pc:docMk/>
-          <pc:sldMk cId="284781631" sldId="275"/>
-        </pc:sldMkLst>
-      </pc:sldChg>
-      <pc:sldChg chg="del">
-        <pc:chgData name="Riccardo Berta" userId="c8694f89-bba4-4576-b0a8-456619ca5a8c" providerId="ADAL" clId="{58424B7E-67A2-E24B-9516-C248AFA19009}" dt="2022-08-30T08:44:17.013" v="26" actId="2696"/>
-        <pc:sldMkLst>
-          <pc:docMk/>
-          <pc:sldMk cId="4125292156" sldId="276"/>
-        </pc:sldMkLst>
-      </pc:sldChg>
-      <pc:sldChg chg="del">
-        <pc:chgData name="Riccardo Berta" userId="c8694f89-bba4-4576-b0a8-456619ca5a8c" providerId="ADAL" clId="{58424B7E-67A2-E24B-9516-C248AFA19009}" dt="2022-08-30T08:44:17.602" v="27" actId="2696"/>
-        <pc:sldMkLst>
-          <pc:docMk/>
-          <pc:sldMk cId="1388305878" sldId="277"/>
-        </pc:sldMkLst>
-      </pc:sldChg>
-      <pc:sldChg chg="del">
-        <pc:chgData name="Riccardo Berta" userId="c8694f89-bba4-4576-b0a8-456619ca5a8c" providerId="ADAL" clId="{58424B7E-67A2-E24B-9516-C248AFA19009}" dt="2022-08-30T08:44:18.091" v="28" actId="2696"/>
-        <pc:sldMkLst>
-          <pc:docMk/>
-          <pc:sldMk cId="2276488042" sldId="278"/>
-        </pc:sldMkLst>
-      </pc:sldChg>
-      <pc:sldMasterChg chg="modSldLayout">
-        <pc:chgData name="Riccardo Berta" userId="c8694f89-bba4-4576-b0a8-456619ca5a8c" providerId="ADAL" clId="{58424B7E-67A2-E24B-9516-C248AFA19009}" dt="2022-08-30T08:51:17.059" v="152" actId="948"/>
-        <pc:sldMasterMkLst>
-          <pc:docMk/>
-          <pc:sldMasterMk cId="0" sldId="2147483659"/>
-        </pc:sldMasterMkLst>
-        <pc:sldLayoutChg chg="modSp mod">
-          <pc:chgData name="Riccardo Berta" userId="c8694f89-bba4-4576-b0a8-456619ca5a8c" providerId="ADAL" clId="{58424B7E-67A2-E24B-9516-C248AFA19009}" dt="2022-08-30T08:51:17.059" v="152" actId="948"/>
-          <pc:sldLayoutMkLst>
+        <pc:spChg chg="mod">
+          <ac:chgData name="Riccardo Berta" userId="c8694f89-bba4-4576-b0a8-456619ca5a8c" providerId="ADAL" clId="{FDDBFC5A-5EA9-5330-BEB8-433D7E3B4C4E}" dt="2025-10-24T07:30:22.876" v="2765" actId="20577"/>
+          <ac:spMkLst>
             <pc:docMk/>
-            <pc:sldMasterMk cId="0" sldId="2147483659"/>
-            <pc:sldLayoutMk cId="0" sldId="2147483650"/>
-          </pc:sldLayoutMkLst>
-        </pc:sldLayoutChg>
-      </pc:sldMasterChg>
-    </pc:docChg>
-  </pc:docChgLst>
-  <pc:docChgLst>
-    <pc:chgData name="Riccardo Berta" userId="c8694f89-bba4-4576-b0a8-456619ca5a8c" providerId="ADAL" clId="{89457721-8AF9-BB44-BAF2-46F7B0D7D7E8}"/>
-    <pc:docChg chg="custSel addSld delSld modSld">
-      <pc:chgData name="Riccardo Berta" userId="c8694f89-bba4-4576-b0a8-456619ca5a8c" providerId="ADAL" clId="{89457721-8AF9-BB44-BAF2-46F7B0D7D7E8}" dt="2022-08-30T09:55:24.863" v="44" actId="20577"/>
-      <pc:docMkLst>
-        <pc:docMk/>
-      </pc:docMkLst>
-      <pc:sldChg chg="modSp mod">
-        <pc:chgData name="Riccardo Berta" userId="c8694f89-bba4-4576-b0a8-456619ca5a8c" providerId="ADAL" clId="{89457721-8AF9-BB44-BAF2-46F7B0D7D7E8}" dt="2022-08-30T09:54:06.379" v="7" actId="20577"/>
-        <pc:sldMkLst>
-          <pc:docMk/>
-          <pc:sldMk cId="0" sldId="256"/>
-        </pc:sldMkLst>
-      </pc:sldChg>
-      <pc:sldChg chg="delSp modSp mod">
-        <pc:chgData name="Riccardo Berta" userId="c8694f89-bba4-4576-b0a8-456619ca5a8c" providerId="ADAL" clId="{89457721-8AF9-BB44-BAF2-46F7B0D7D7E8}" dt="2022-08-30T09:54:23.221" v="18" actId="478"/>
-        <pc:sldMkLst>
-          <pc:docMk/>
-          <pc:sldMk cId="0" sldId="257"/>
-        </pc:sldMkLst>
-      </pc:sldChg>
-      <pc:sldChg chg="modSp mod">
-        <pc:chgData name="Riccardo Berta" userId="c8694f89-bba4-4576-b0a8-456619ca5a8c" providerId="ADAL" clId="{89457721-8AF9-BB44-BAF2-46F7B0D7D7E8}" dt="2022-08-30T09:54:11.362" v="10" actId="20577"/>
-        <pc:sldMkLst>
-          <pc:docMk/>
-          <pc:sldMk cId="3018556184" sldId="259"/>
-        </pc:sldMkLst>
-      </pc:sldChg>
-      <pc:sldChg chg="add">
-        <pc:chgData name="Riccardo Berta" userId="c8694f89-bba4-4576-b0a8-456619ca5a8c" providerId="ADAL" clId="{89457721-8AF9-BB44-BAF2-46F7B0D7D7E8}" dt="2022-08-30T09:54:31.238" v="24"/>
-        <pc:sldMkLst>
-          <pc:docMk/>
-          <pc:sldMk cId="3239712184" sldId="260"/>
-        </pc:sldMkLst>
-      </pc:sldChg>
-      <pc:sldChg chg="del">
-        <pc:chgData name="Riccardo Berta" userId="c8694f89-bba4-4576-b0a8-456619ca5a8c" providerId="ADAL" clId="{89457721-8AF9-BB44-BAF2-46F7B0D7D7E8}" dt="2022-08-30T09:54:26.068" v="19" actId="2696"/>
-        <pc:sldMkLst>
-          <pc:docMk/>
-          <pc:sldMk cId="3692252167" sldId="260"/>
-        </pc:sldMkLst>
-      </pc:sldChg>
-      <pc:sldChg chg="add">
-        <pc:chgData name="Riccardo Berta" userId="c8694f89-bba4-4576-b0a8-456619ca5a8c" providerId="ADAL" clId="{89457721-8AF9-BB44-BAF2-46F7B0D7D7E8}" dt="2022-08-30T09:54:32.176" v="25"/>
-        <pc:sldMkLst>
-          <pc:docMk/>
-          <pc:sldMk cId="723946338" sldId="261"/>
-        </pc:sldMkLst>
-      </pc:sldChg>
-      <pc:sldChg chg="del">
-        <pc:chgData name="Riccardo Berta" userId="c8694f89-bba4-4576-b0a8-456619ca5a8c" providerId="ADAL" clId="{89457721-8AF9-BB44-BAF2-46F7B0D7D7E8}" dt="2022-08-30T09:54:26.532" v="20" actId="2696"/>
-        <pc:sldMkLst>
-          <pc:docMk/>
-          <pc:sldMk cId="846979211" sldId="261"/>
-        </pc:sldMkLst>
-      </pc:sldChg>
-      <pc:sldChg chg="del">
-        <pc:chgData name="Riccardo Berta" userId="c8694f89-bba4-4576-b0a8-456619ca5a8c" providerId="ADAL" clId="{89457721-8AF9-BB44-BAF2-46F7B0D7D7E8}" dt="2022-08-30T09:54:26.938" v="21" actId="2696"/>
-        <pc:sldMkLst>
-          <pc:docMk/>
-          <pc:sldMk cId="447929702" sldId="262"/>
-        </pc:sldMkLst>
-      </pc:sldChg>
-      <pc:sldChg chg="add">
-        <pc:chgData name="Riccardo Berta" userId="c8694f89-bba4-4576-b0a8-456619ca5a8c" providerId="ADAL" clId="{89457721-8AF9-BB44-BAF2-46F7B0D7D7E8}" dt="2022-08-30T09:54:33.167" v="26"/>
-        <pc:sldMkLst>
-          <pc:docMk/>
-          <pc:sldMk cId="1167696200" sldId="262"/>
-        </pc:sldMkLst>
-      </pc:sldChg>
-      <pc:sldChg chg="del">
-        <pc:chgData name="Riccardo Berta" userId="c8694f89-bba4-4576-b0a8-456619ca5a8c" providerId="ADAL" clId="{89457721-8AF9-BB44-BAF2-46F7B0D7D7E8}" dt="2022-08-30T09:54:27.400" v="22" actId="2696"/>
-        <pc:sldMkLst>
-          <pc:docMk/>
-          <pc:sldMk cId="11402927" sldId="263"/>
-        </pc:sldMkLst>
-      </pc:sldChg>
-      <pc:sldChg chg="modSp add mod">
-        <pc:chgData name="Riccardo Berta" userId="c8694f89-bba4-4576-b0a8-456619ca5a8c" providerId="ADAL" clId="{89457721-8AF9-BB44-BAF2-46F7B0D7D7E8}" dt="2022-08-30T09:55:24.863" v="44" actId="20577"/>
-        <pc:sldMkLst>
-          <pc:docMk/>
-          <pc:sldMk cId="1817587258" sldId="263"/>
-        </pc:sldMkLst>
-      </pc:sldChg>
-      <pc:sldChg chg="del">
-        <pc:chgData name="Riccardo Berta" userId="c8694f89-bba4-4576-b0a8-456619ca5a8c" providerId="ADAL" clId="{89457721-8AF9-BB44-BAF2-46F7B0D7D7E8}" dt="2022-08-30T09:54:27.959" v="23" actId="2696"/>
-        <pc:sldMkLst>
-          <pc:docMk/>
-          <pc:sldMk cId="2794482370" sldId="264"/>
-        </pc:sldMkLst>
-      </pc:sldChg>
-    </pc:docChg>
-  </pc:docChgLst>
-  <pc:docChgLst>
-    <pc:chgData name="Riccardo Berta" userId="c8694f89-bba4-4576-b0a8-456619ca5a8c" providerId="ADAL" clId="{F4AAAA8C-1CB2-214C-996A-F15BCA6CB64E}"/>
-    <pc:docChg chg="undo custSel addSld delSld modSld">
-      <pc:chgData name="Riccardo Berta" userId="c8694f89-bba4-4576-b0a8-456619ca5a8c" providerId="ADAL" clId="{F4AAAA8C-1CB2-214C-996A-F15BCA6CB64E}" dt="2022-07-29T16:21:50.628" v="2975" actId="1076"/>
-      <pc:docMkLst>
-        <pc:docMk/>
-      </pc:docMkLst>
-      <pc:sldChg chg="modSp mod">
-        <pc:chgData name="Riccardo Berta" userId="c8694f89-bba4-4576-b0a8-456619ca5a8c" providerId="ADAL" clId="{F4AAAA8C-1CB2-214C-996A-F15BCA6CB64E}" dt="2022-07-27T13:37:29.445" v="2" actId="20577"/>
-        <pc:sldMkLst>
-          <pc:docMk/>
-          <pc:sldMk cId="0" sldId="256"/>
-        </pc:sldMkLst>
-      </pc:sldChg>
-      <pc:sldChg chg="addSp modSp mod">
-        <pc:chgData name="Riccardo Berta" userId="c8694f89-bba4-4576-b0a8-456619ca5a8c" providerId="ADAL" clId="{F4AAAA8C-1CB2-214C-996A-F15BCA6CB64E}" dt="2022-07-27T13:43:23.760" v="162" actId="20577"/>
-        <pc:sldMkLst>
-          <pc:docMk/>
-          <pc:sldMk cId="0" sldId="257"/>
-        </pc:sldMkLst>
-      </pc:sldChg>
-      <pc:sldChg chg="modSp del">
-        <pc:chgData name="Riccardo Berta" userId="c8694f89-bba4-4576-b0a8-456619ca5a8c" providerId="ADAL" clId="{F4AAAA8C-1CB2-214C-996A-F15BCA6CB64E}" dt="2022-07-27T13:43:43.714" v="164" actId="2696"/>
-        <pc:sldMkLst>
-          <pc:docMk/>
-          <pc:sldMk cId="1899110855" sldId="258"/>
-        </pc:sldMkLst>
-      </pc:sldChg>
-      <pc:sldChg chg="addSp delSp modSp mod">
-        <pc:chgData name="Riccardo Berta" userId="c8694f89-bba4-4576-b0a8-456619ca5a8c" providerId="ADAL" clId="{F4AAAA8C-1CB2-214C-996A-F15BCA6CB64E}" dt="2022-07-29T16:13:43.411" v="2890" actId="20577"/>
-        <pc:sldMkLst>
-          <pc:docMk/>
-          <pc:sldMk cId="3018556184" sldId="259"/>
-        </pc:sldMkLst>
-      </pc:sldChg>
-      <pc:sldChg chg="del">
-        <pc:chgData name="Riccardo Berta" userId="c8694f89-bba4-4576-b0a8-456619ca5a8c" providerId="ADAL" clId="{F4AAAA8C-1CB2-214C-996A-F15BCA6CB64E}" dt="2022-07-27T13:43:45.045" v="165" actId="2696"/>
-        <pc:sldMkLst>
-          <pc:docMk/>
-          <pc:sldMk cId="1104208334" sldId="260"/>
-        </pc:sldMkLst>
-      </pc:sldChg>
-      <pc:sldChg chg="addSp delSp modSp add mod">
-        <pc:chgData name="Riccardo Berta" userId="c8694f89-bba4-4576-b0a8-456619ca5a8c" providerId="ADAL" clId="{F4AAAA8C-1CB2-214C-996A-F15BCA6CB64E}" dt="2022-07-28T05:47:21.216" v="337" actId="1076"/>
-        <pc:sldMkLst>
-          <pc:docMk/>
-          <pc:sldMk cId="2119751735" sldId="260"/>
-        </pc:sldMkLst>
-      </pc:sldChg>
-      <pc:sldChg chg="del">
-        <pc:chgData name="Riccardo Berta" userId="c8694f89-bba4-4576-b0a8-456619ca5a8c" providerId="ADAL" clId="{F4AAAA8C-1CB2-214C-996A-F15BCA6CB64E}" dt="2022-07-27T13:43:46.058" v="166" actId="2696"/>
-        <pc:sldMkLst>
-          <pc:docMk/>
-          <pc:sldMk cId="1290395919" sldId="261"/>
-        </pc:sldMkLst>
-      </pc:sldChg>
-      <pc:sldChg chg="delSp modSp add mod">
-        <pc:chgData name="Riccardo Berta" userId="c8694f89-bba4-4576-b0a8-456619ca5a8c" providerId="ADAL" clId="{F4AAAA8C-1CB2-214C-996A-F15BCA6CB64E}" dt="2022-07-28T06:08:36.900" v="979" actId="20577"/>
-        <pc:sldMkLst>
-          <pc:docMk/>
-          <pc:sldMk cId="2389937581" sldId="261"/>
-        </pc:sldMkLst>
-      </pc:sldChg>
-      <pc:sldChg chg="addSp delSp modSp add mod">
-        <pc:chgData name="Riccardo Berta" userId="c8694f89-bba4-4576-b0a8-456619ca5a8c" providerId="ADAL" clId="{F4AAAA8C-1CB2-214C-996A-F15BCA6CB64E}" dt="2022-07-28T06:20:33.799" v="1324" actId="58"/>
-        <pc:sldMkLst>
-          <pc:docMk/>
-          <pc:sldMk cId="1270389364" sldId="262"/>
-        </pc:sldMkLst>
-      </pc:sldChg>
-      <pc:sldChg chg="del">
-        <pc:chgData name="Riccardo Berta" userId="c8694f89-bba4-4576-b0a8-456619ca5a8c" providerId="ADAL" clId="{F4AAAA8C-1CB2-214C-996A-F15BCA6CB64E}" dt="2022-07-27T13:43:47.251" v="167" actId="2696"/>
-        <pc:sldMkLst>
-          <pc:docMk/>
-          <pc:sldMk cId="4130549615" sldId="262"/>
-        </pc:sldMkLst>
-      </pc:sldChg>
-      <pc:sldChg chg="modSp add mod">
-        <pc:chgData name="Riccardo Berta" userId="c8694f89-bba4-4576-b0a8-456619ca5a8c" providerId="ADAL" clId="{F4AAAA8C-1CB2-214C-996A-F15BCA6CB64E}" dt="2022-07-29T07:18:15.970" v="2126" actId="1076"/>
-        <pc:sldMkLst>
-          <pc:docMk/>
-          <pc:sldMk cId="2644872656" sldId="263"/>
-        </pc:sldMkLst>
-      </pc:sldChg>
-      <pc:sldChg chg="del">
-        <pc:chgData name="Riccardo Berta" userId="c8694f89-bba4-4576-b0a8-456619ca5a8c" providerId="ADAL" clId="{F4AAAA8C-1CB2-214C-996A-F15BCA6CB64E}" dt="2022-07-27T13:43:48.139" v="168" actId="2696"/>
-        <pc:sldMkLst>
-          <pc:docMk/>
-          <pc:sldMk cId="3102138681" sldId="263"/>
-        </pc:sldMkLst>
-      </pc:sldChg>
-      <pc:sldChg chg="modSp add mod">
-        <pc:chgData name="Riccardo Berta" userId="c8694f89-bba4-4576-b0a8-456619ca5a8c" providerId="ADAL" clId="{F4AAAA8C-1CB2-214C-996A-F15BCA6CB64E}" dt="2022-07-28T13:59:43.403" v="1794" actId="20577"/>
-        <pc:sldMkLst>
-          <pc:docMk/>
-          <pc:sldMk cId="1681389695" sldId="264"/>
-        </pc:sldMkLst>
-      </pc:sldChg>
-      <pc:sldChg chg="del">
-        <pc:chgData name="Riccardo Berta" userId="c8694f89-bba4-4576-b0a8-456619ca5a8c" providerId="ADAL" clId="{F4AAAA8C-1CB2-214C-996A-F15BCA6CB64E}" dt="2022-07-27T13:43:49.652" v="169" actId="2696"/>
-        <pc:sldMkLst>
-          <pc:docMk/>
-          <pc:sldMk cId="2113557187" sldId="264"/>
-        </pc:sldMkLst>
-      </pc:sldChg>
-      <pc:sldChg chg="del">
-        <pc:chgData name="Riccardo Berta" userId="c8694f89-bba4-4576-b0a8-456619ca5a8c" providerId="ADAL" clId="{F4AAAA8C-1CB2-214C-996A-F15BCA6CB64E}" dt="2022-07-27T13:43:57.658" v="170" actId="2696"/>
-        <pc:sldMkLst>
-          <pc:docMk/>
-          <pc:sldMk cId="2045385232" sldId="265"/>
-        </pc:sldMkLst>
-      </pc:sldChg>
-      <pc:sldChg chg="addSp modSp add mod">
-        <pc:chgData name="Riccardo Berta" userId="c8694f89-bba4-4576-b0a8-456619ca5a8c" providerId="ADAL" clId="{F4AAAA8C-1CB2-214C-996A-F15BCA6CB64E}" dt="2022-07-29T07:15:19.612" v="2059" actId="1037"/>
-        <pc:sldMkLst>
-          <pc:docMk/>
-          <pc:sldMk cId="2862573505" sldId="265"/>
-        </pc:sldMkLst>
-      </pc:sldChg>
-      <pc:sldChg chg="modSp add mod">
-        <pc:chgData name="Riccardo Berta" userId="c8694f89-bba4-4576-b0a8-456619ca5a8c" providerId="ADAL" clId="{F4AAAA8C-1CB2-214C-996A-F15BCA6CB64E}" dt="2022-07-29T15:42:16.243" v="2364" actId="404"/>
-        <pc:sldMkLst>
-          <pc:docMk/>
-          <pc:sldMk cId="4181844165" sldId="266"/>
-        </pc:sldMkLst>
-      </pc:sldChg>
-      <pc:sldChg chg="addSp delSp modSp add mod">
-        <pc:chgData name="Riccardo Berta" userId="c8694f89-bba4-4576-b0a8-456619ca5a8c" providerId="ADAL" clId="{F4AAAA8C-1CB2-214C-996A-F15BCA6CB64E}" dt="2022-07-29T16:21:50.628" v="2975" actId="1076"/>
-        <pc:sldMkLst>
-          <pc:docMk/>
-          <pc:sldMk cId="216455838" sldId="267"/>
-        </pc:sldMkLst>
-      </pc:sldChg>
-      <pc:sldChg chg="modSp add mod">
-        <pc:chgData name="Riccardo Berta" userId="c8694f89-bba4-4576-b0a8-456619ca5a8c" providerId="ADAL" clId="{F4AAAA8C-1CB2-214C-996A-F15BCA6CB64E}" dt="2022-07-29T16:13:07.544" v="2873" actId="20577"/>
-        <pc:sldMkLst>
-          <pc:docMk/>
-          <pc:sldMk cId="925286286" sldId="268"/>
-        </pc:sldMkLst>
-      </pc:sldChg>
-      <pc:sldChg chg="addSp modSp add mod">
-        <pc:chgData name="Riccardo Berta" userId="c8694f89-bba4-4576-b0a8-456619ca5a8c" providerId="ADAL" clId="{F4AAAA8C-1CB2-214C-996A-F15BCA6CB64E}" dt="2022-07-29T16:20:35.039" v="2951" actId="962"/>
-        <pc:sldMkLst>
-          <pc:docMk/>
-          <pc:sldMk cId="3471997037" sldId="269"/>
-        </pc:sldMkLst>
-      </pc:sldChg>
-      <pc:sldChg chg="add">
-        <pc:chgData name="Riccardo Berta" userId="c8694f89-bba4-4576-b0a8-456619ca5a8c" providerId="ADAL" clId="{F4AAAA8C-1CB2-214C-996A-F15BCA6CB64E}" dt="2022-07-28T14:01:20.148" v="1808"/>
-        <pc:sldMkLst>
-          <pc:docMk/>
-          <pc:sldMk cId="3130917410" sldId="270"/>
-        </pc:sldMkLst>
-      </pc:sldChg>
-      <pc:sldChg chg="add">
-        <pc:chgData name="Riccardo Berta" userId="c8694f89-bba4-4576-b0a8-456619ca5a8c" providerId="ADAL" clId="{F4AAAA8C-1CB2-214C-996A-F15BCA6CB64E}" dt="2022-07-28T14:01:20.483" v="1809"/>
-        <pc:sldMkLst>
-          <pc:docMk/>
-          <pc:sldMk cId="2266699268" sldId="271"/>
-        </pc:sldMkLst>
-      </pc:sldChg>
-    </pc:docChg>
-  </pc:docChgLst>
-  <pc:docChgLst>
-    <pc:chgData name="Riccardo Berta" userId="c8694f89-bba4-4576-b0a8-456619ca5a8c" providerId="ADAL" clId="{A8290FA7-622A-D149-8650-9DF3F18680D5}"/>
-    <pc:docChg chg="undo redo custSel addSld delSld modSld sldOrd modMainMaster">
-      <pc:chgData name="Riccardo Berta" userId="c8694f89-bba4-4576-b0a8-456619ca5a8c" providerId="ADAL" clId="{A8290FA7-622A-D149-8650-9DF3F18680D5}" dt="2022-07-27T13:36:04.688" v="2998"/>
-      <pc:docMkLst>
-        <pc:docMk/>
-      </pc:docMkLst>
-      <pc:sldChg chg="delSp modSp mod">
-        <pc:chgData name="Riccardo Berta" userId="c8694f89-bba4-4576-b0a8-456619ca5a8c" providerId="ADAL" clId="{A8290FA7-622A-D149-8650-9DF3F18680D5}" dt="2022-07-27T13:35:14.530" v="2993" actId="20577"/>
-        <pc:sldMkLst>
-          <pc:docMk/>
-          <pc:sldMk cId="0" sldId="256"/>
-        </pc:sldMkLst>
-      </pc:sldChg>
-      <pc:sldChg chg="delSp modSp mod">
-        <pc:chgData name="Riccardo Berta" userId="c8694f89-bba4-4576-b0a8-456619ca5a8c" providerId="ADAL" clId="{A8290FA7-622A-D149-8650-9DF3F18680D5}" dt="2022-07-27T08:46:23.569" v="1166" actId="948"/>
-        <pc:sldMkLst>
-          <pc:docMk/>
-          <pc:sldMk cId="0" sldId="257"/>
-        </pc:sldMkLst>
-      </pc:sldChg>
-      <pc:sldChg chg="addSp modSp new mod modNotes">
-        <pc:chgData name="Riccardo Berta" userId="c8694f89-bba4-4576-b0a8-456619ca5a8c" providerId="ADAL" clId="{A8290FA7-622A-D149-8650-9DF3F18680D5}" dt="2022-07-27T08:52:46.755" v="1313" actId="113"/>
-        <pc:sldMkLst>
-          <pc:docMk/>
-          <pc:sldMk cId="1899110855" sldId="258"/>
-        </pc:sldMkLst>
-      </pc:sldChg>
-      <pc:sldChg chg="new del">
-        <pc:chgData name="Riccardo Berta" userId="c8694f89-bba4-4576-b0a8-456619ca5a8c" providerId="ADAL" clId="{A8290FA7-622A-D149-8650-9DF3F18680D5}" dt="2022-07-27T07:48:28.832" v="223" actId="2696"/>
-        <pc:sldMkLst>
-          <pc:docMk/>
-          <pc:sldMk cId="182339981" sldId="259"/>
-        </pc:sldMkLst>
-      </pc:sldChg>
-      <pc:sldChg chg="del">
-        <pc:chgData name="Riccardo Berta" userId="c8694f89-bba4-4576-b0a8-456619ca5a8c" providerId="ADAL" clId="{A8290FA7-622A-D149-8650-9DF3F18680D5}" dt="2022-07-18T11:39:57.790" v="23" actId="2696"/>
-        <pc:sldMkLst>
-          <pc:docMk/>
-          <pc:sldMk cId="3018556184" sldId="259"/>
-        </pc:sldMkLst>
-      </pc:sldChg>
-      <pc:sldChg chg="addSp modSp new mod">
-        <pc:chgData name="Riccardo Berta" userId="c8694f89-bba4-4576-b0a8-456619ca5a8c" providerId="ADAL" clId="{A8290FA7-622A-D149-8650-9DF3F18680D5}" dt="2022-07-27T08:48:59.292" v="1210" actId="1076"/>
-        <pc:sldMkLst>
-          <pc:docMk/>
-          <pc:sldMk cId="1104208334" sldId="260"/>
-        </pc:sldMkLst>
-      </pc:sldChg>
-      <pc:sldChg chg="del">
-        <pc:chgData name="Riccardo Berta" userId="c8694f89-bba4-4576-b0a8-456619ca5a8c" providerId="ADAL" clId="{A8290FA7-622A-D149-8650-9DF3F18680D5}" dt="2022-07-18T11:39:58.142" v="25" actId="2696"/>
-        <pc:sldMkLst>
-          <pc:docMk/>
-          <pc:sldMk cId="1290395919" sldId="261"/>
-        </pc:sldMkLst>
-      </pc:sldChg>
-      <pc:sldChg chg="new del">
-        <pc:chgData name="Riccardo Berta" userId="c8694f89-bba4-4576-b0a8-456619ca5a8c" providerId="ADAL" clId="{A8290FA7-622A-D149-8650-9DF3F18680D5}" dt="2022-07-27T10:14:34.151" v="1776" actId="2696"/>
-        <pc:sldMkLst>
-          <pc:docMk/>
-          <pc:sldMk cId="1228403239" sldId="262"/>
-        </pc:sldMkLst>
-      </pc:sldChg>
-      <pc:sldChg chg="addSp modSp add mod">
-        <pc:chgData name="Riccardo Berta" userId="c8694f89-bba4-4576-b0a8-456619ca5a8c" providerId="ADAL" clId="{A8290FA7-622A-D149-8650-9DF3F18680D5}" dt="2022-07-27T10:42:13.820" v="2230" actId="113"/>
-        <pc:sldMkLst>
-          <pc:docMk/>
-          <pc:sldMk cId="4130549615" sldId="262"/>
-        </pc:sldMkLst>
-      </pc:sldChg>
-      <pc:sldChg chg="new del">
-        <pc:chgData name="Riccardo Berta" userId="c8694f89-bba4-4576-b0a8-456619ca5a8c" providerId="ADAL" clId="{A8290FA7-622A-D149-8650-9DF3F18680D5}" dt="2022-07-27T10:14:17.648" v="1770" actId="2696"/>
-        <pc:sldMkLst>
-          <pc:docMk/>
-          <pc:sldMk cId="4179454221" sldId="262"/>
-        </pc:sldMkLst>
-      </pc:sldChg>
-      <pc:sldChg chg="addSp delSp modSp new del mod">
-        <pc:chgData name="Riccardo Berta" userId="c8694f89-bba4-4576-b0a8-456619ca5a8c" providerId="ADAL" clId="{A8290FA7-622A-D149-8650-9DF3F18680D5}" dt="2022-07-27T10:14:36.007" v="1777" actId="2696"/>
-        <pc:sldMkLst>
-          <pc:docMk/>
-          <pc:sldMk cId="2702540954" sldId="263"/>
-        </pc:sldMkLst>
-      </pc:sldChg>
-      <pc:sldChg chg="del">
-        <pc:chgData name="Riccardo Berta" userId="c8694f89-bba4-4576-b0a8-456619ca5a8c" providerId="ADAL" clId="{A8290FA7-622A-D149-8650-9DF3F18680D5}" dt="2022-07-18T11:39:58.451" v="27" actId="2696"/>
-        <pc:sldMkLst>
-          <pc:docMk/>
-          <pc:sldMk cId="3102138681" sldId="263"/>
-        </pc:sldMkLst>
-      </pc:sldChg>
-      <pc:sldChg chg="addSp modSp add del mod">
-        <pc:chgData name="Riccardo Berta" userId="c8694f89-bba4-4576-b0a8-456619ca5a8c" providerId="ADAL" clId="{A8290FA7-622A-D149-8650-9DF3F18680D5}" dt="2022-07-27T10:42:20.886" v="2231" actId="2696"/>
-        <pc:sldMkLst>
-          <pc:docMk/>
-          <pc:sldMk cId="3911169705" sldId="263"/>
-        </pc:sldMkLst>
-      </pc:sldChg>
-      <pc:sldChg chg="del">
-        <pc:chgData name="Riccardo Berta" userId="c8694f89-bba4-4576-b0a8-456619ca5a8c" providerId="ADAL" clId="{A8290FA7-622A-D149-8650-9DF3F18680D5}" dt="2022-07-18T11:39:58.616" v="28" actId="2696"/>
-        <pc:sldMkLst>
-          <pc:docMk/>
-          <pc:sldMk cId="2113557187" sldId="264"/>
-        </pc:sldMkLst>
-      </pc:sldChg>
-      <pc:sldChg chg="del">
-        <pc:chgData name="Riccardo Berta" userId="c8694f89-bba4-4576-b0a8-456619ca5a8c" providerId="ADAL" clId="{A8290FA7-622A-D149-8650-9DF3F18680D5}" dt="2022-07-18T11:39:58.749" v="29" actId="2696"/>
-        <pc:sldMkLst>
-          <pc:docMk/>
-          <pc:sldMk cId="2045385232" sldId="265"/>
-        </pc:sldMkLst>
-      </pc:sldChg>
-      <pc:sldChg chg="del">
-        <pc:chgData name="Riccardo Berta" userId="c8694f89-bba4-4576-b0a8-456619ca5a8c" providerId="ADAL" clId="{A8290FA7-622A-D149-8650-9DF3F18680D5}" dt="2022-07-18T11:39:58.869" v="30" actId="2696"/>
-        <pc:sldMkLst>
-          <pc:docMk/>
-          <pc:sldMk cId="4181844165" sldId="266"/>
-        </pc:sldMkLst>
-      </pc:sldChg>
-      <pc:sldChg chg="del">
-        <pc:chgData name="Riccardo Berta" userId="c8694f89-bba4-4576-b0a8-456619ca5a8c" providerId="ADAL" clId="{A8290FA7-622A-D149-8650-9DF3F18680D5}" dt="2022-07-18T11:39:59.035" v="31" actId="2696"/>
-        <pc:sldMkLst>
-          <pc:docMk/>
-          <pc:sldMk cId="216455838" sldId="267"/>
-        </pc:sldMkLst>
-      </pc:sldChg>
-      <pc:sldChg chg="del">
-        <pc:chgData name="Riccardo Berta" userId="c8694f89-bba4-4576-b0a8-456619ca5a8c" providerId="ADAL" clId="{A8290FA7-622A-D149-8650-9DF3F18680D5}" dt="2022-07-18T11:39:59.202" v="32" actId="2696"/>
-        <pc:sldMkLst>
-          <pc:docMk/>
-          <pc:sldMk cId="3471997037" sldId="269"/>
-        </pc:sldMkLst>
-      </pc:sldChg>
-      <pc:sldChg chg="del">
-        <pc:chgData name="Riccardo Berta" userId="c8694f89-bba4-4576-b0a8-456619ca5a8c" providerId="ADAL" clId="{A8290FA7-622A-D149-8650-9DF3F18680D5}" dt="2022-07-18T11:39:59.363" v="33" actId="2696"/>
-        <pc:sldMkLst>
-          <pc:docMk/>
-          <pc:sldMk cId="3130917410" sldId="270"/>
-        </pc:sldMkLst>
-      </pc:sldChg>
-      <pc:sldChg chg="del">
-        <pc:chgData name="Riccardo Berta" userId="c8694f89-bba4-4576-b0a8-456619ca5a8c" providerId="ADAL" clId="{A8290FA7-622A-D149-8650-9DF3F18680D5}" dt="2022-07-18T11:39:59.502" v="34" actId="2696"/>
-        <pc:sldMkLst>
-          <pc:docMk/>
-          <pc:sldMk cId="2266699268" sldId="271"/>
-        </pc:sldMkLst>
-      </pc:sldChg>
-      <pc:sldChg chg="del">
-        <pc:chgData name="Riccardo Berta" userId="c8694f89-bba4-4576-b0a8-456619ca5a8c" providerId="ADAL" clId="{A8290FA7-622A-D149-8650-9DF3F18680D5}" dt="2022-07-18T11:40:00.091" v="38" actId="2696"/>
-        <pc:sldMkLst>
-          <pc:docMk/>
-          <pc:sldMk cId="993270251" sldId="272"/>
-        </pc:sldMkLst>
-      </pc:sldChg>
-      <pc:sldChg chg="del">
-        <pc:chgData name="Riccardo Berta" userId="c8694f89-bba4-4576-b0a8-456619ca5a8c" providerId="ADAL" clId="{A8290FA7-622A-D149-8650-9DF3F18680D5}" dt="2022-07-18T11:39:59.623" v="35" actId="2696"/>
-        <pc:sldMkLst>
-          <pc:docMk/>
-          <pc:sldMk cId="3843819371" sldId="273"/>
-        </pc:sldMkLst>
-      </pc:sldChg>
-      <pc:sldChg chg="del">
-        <pc:chgData name="Riccardo Berta" userId="c8694f89-bba4-4576-b0a8-456619ca5a8c" providerId="ADAL" clId="{A8290FA7-622A-D149-8650-9DF3F18680D5}" dt="2022-07-18T11:39:59.806" v="36" actId="2696"/>
-        <pc:sldMkLst>
-          <pc:docMk/>
-          <pc:sldMk cId="3084049364" sldId="274"/>
-        </pc:sldMkLst>
-      </pc:sldChg>
-      <pc:sldChg chg="del">
-        <pc:chgData name="Riccardo Berta" userId="c8694f89-bba4-4576-b0a8-456619ca5a8c" providerId="ADAL" clId="{A8290FA7-622A-D149-8650-9DF3F18680D5}" dt="2022-07-18T11:39:59.937" v="37" actId="2696"/>
-        <pc:sldMkLst>
-          <pc:docMk/>
-          <pc:sldMk cId="284781631" sldId="275"/>
-        </pc:sldMkLst>
-      </pc:sldChg>
-      <pc:sldMasterChg chg="modSp mod delSldLayout modSldLayout">
-        <pc:chgData name="Riccardo Berta" userId="c8694f89-bba4-4576-b0a8-456619ca5a8c" providerId="ADAL" clId="{A8290FA7-622A-D149-8650-9DF3F18680D5}" dt="2022-07-27T08:45:00.853" v="1135" actId="20577"/>
-        <pc:sldMasterMkLst>
-          <pc:docMk/>
-          <pc:sldMasterMk cId="0" sldId="2147483659"/>
-        </pc:sldMasterMkLst>
-        <pc:sldLayoutChg chg="del">
-          <pc:chgData name="Riccardo Berta" userId="c8694f89-bba4-4576-b0a8-456619ca5a8c" providerId="ADAL" clId="{A8290FA7-622A-D149-8650-9DF3F18680D5}" dt="2022-07-27T07:48:28.832" v="223" actId="2696"/>
-          <pc:sldLayoutMkLst>
-            <pc:docMk/>
-            <pc:sldMasterMk cId="0" sldId="2147483659"/>
-            <pc:sldLayoutMk cId="0" sldId="2147483649"/>
-          </pc:sldLayoutMkLst>
-        </pc:sldLayoutChg>
-        <pc:sldLayoutChg chg="delSp">
-          <pc:chgData name="Riccardo Berta" userId="c8694f89-bba4-4576-b0a8-456619ca5a8c" providerId="ADAL" clId="{A8290FA7-622A-D149-8650-9DF3F18680D5}" dt="2022-07-27T08:44:23.725" v="1124"/>
-          <pc:sldLayoutMkLst>
-            <pc:docMk/>
-            <pc:sldMasterMk cId="0" sldId="2147483659"/>
-            <pc:sldLayoutMk cId="0" sldId="2147483650"/>
-          </pc:sldLayoutMkLst>
-        </pc:sldLayoutChg>
-      </pc:sldMasterChg>
-    </pc:docChg>
-  </pc:docChgLst>
-  <pc:docChgLst>
-    <pc:chgData name="Riccardo Berta" userId="c8694f89-bba4-4576-b0a8-456619ca5a8c" providerId="ADAL" clId="{285D91C1-4BF4-0841-A283-B28F698AE366}"/>
-    <pc:docChg chg="custSel addSld modSld">
-      <pc:chgData name="Riccardo Berta" userId="c8694f89-bba4-4576-b0a8-456619ca5a8c" providerId="ADAL" clId="{285D91C1-4BF4-0841-A283-B28F698AE366}" dt="2022-08-26T17:01:29.210" v="222" actId="20577"/>
-      <pc:docMkLst>
-        <pc:docMk/>
-      </pc:docMkLst>
-      <pc:sldChg chg="addSp delSp modSp add mod">
-        <pc:chgData name="Riccardo Berta" userId="c8694f89-bba4-4576-b0a8-456619ca5a8c" providerId="ADAL" clId="{285D91C1-4BF4-0841-A283-B28F698AE366}" dt="2022-08-26T17:01:29.210" v="222" actId="20577"/>
-        <pc:sldMkLst>
-          <pc:docMk/>
-          <pc:sldMk cId="1388305878" sldId="277"/>
-        </pc:sldMkLst>
-      </pc:sldChg>
-      <pc:sldChg chg="addSp delSp modSp add mod">
-        <pc:chgData name="Riccardo Berta" userId="c8694f89-bba4-4576-b0a8-456619ca5a8c" providerId="ADAL" clId="{285D91C1-4BF4-0841-A283-B28F698AE366}" dt="2022-08-26T17:01:19.085" v="220" actId="1076"/>
-        <pc:sldMkLst>
-          <pc:docMk/>
-          <pc:sldMk cId="2276488042" sldId="278"/>
-        </pc:sldMkLst>
-      </pc:sldChg>
-    </pc:docChg>
-  </pc:docChgLst>
-  <pc:docChgLst>
-    <pc:chgData name="Riccardo Berta" userId="c8694f89-bba4-4576-b0a8-456619ca5a8c" providerId="ADAL" clId="{CC2577DF-8224-C94B-83B1-76B6D0365435}"/>
-    <pc:docChg chg="undo redo custSel addSld delSld modSld">
-      <pc:chgData name="Riccardo Berta" userId="c8694f89-bba4-4576-b0a8-456619ca5a8c" providerId="ADAL" clId="{CC2577DF-8224-C94B-83B1-76B6D0365435}" dt="2022-10-07T08:10:19.171" v="4257" actId="2696"/>
-      <pc:docMkLst>
-        <pc:docMk/>
-      </pc:docMkLst>
-      <pc:sldChg chg="modSp mod">
-        <pc:chgData name="Riccardo Berta" userId="c8694f89-bba4-4576-b0a8-456619ca5a8c" providerId="ADAL" clId="{CC2577DF-8224-C94B-83B1-76B6D0365435}" dt="2022-08-30T13:15:36.250" v="14" actId="20577"/>
-        <pc:sldMkLst>
-          <pc:docMk/>
-          <pc:sldMk cId="0" sldId="256"/>
-        </pc:sldMkLst>
-      </pc:sldChg>
-      <pc:sldChg chg="addSp delSp modSp mod">
-        <pc:chgData name="Riccardo Berta" userId="c8694f89-bba4-4576-b0a8-456619ca5a8c" providerId="ADAL" clId="{CC2577DF-8224-C94B-83B1-76B6D0365435}" dt="2022-09-01T12:19:20.541" v="3336" actId="1076"/>
-        <pc:sldMkLst>
-          <pc:docMk/>
-          <pc:sldMk cId="0" sldId="257"/>
-        </pc:sldMkLst>
-      </pc:sldChg>
-      <pc:sldChg chg="modSp mod">
-        <pc:chgData name="Riccardo Berta" userId="c8694f89-bba4-4576-b0a8-456619ca5a8c" providerId="ADAL" clId="{CC2577DF-8224-C94B-83B1-76B6D0365435}" dt="2022-09-01T12:04:18.782" v="3107" actId="20577"/>
-        <pc:sldMkLst>
-          <pc:docMk/>
-          <pc:sldMk cId="3018556184" sldId="259"/>
-        </pc:sldMkLst>
-      </pc:sldChg>
-      <pc:sldChg chg="addSp delSp modSp mod">
-        <pc:chgData name="Riccardo Berta" userId="c8694f89-bba4-4576-b0a8-456619ca5a8c" providerId="ADAL" clId="{CC2577DF-8224-C94B-83B1-76B6D0365435}" dt="2022-08-30T15:24:47.705" v="1535" actId="20577"/>
-        <pc:sldMkLst>
-          <pc:docMk/>
-          <pc:sldMk cId="3239712184" sldId="260"/>
-        </pc:sldMkLst>
-      </pc:sldChg>
-      <pc:sldChg chg="addSp delSp modSp mod">
-        <pc:chgData name="Riccardo Berta" userId="c8694f89-bba4-4576-b0a8-456619ca5a8c" providerId="ADAL" clId="{CC2577DF-8224-C94B-83B1-76B6D0365435}" dt="2022-08-30T15:24:54.825" v="1544" actId="20577"/>
-        <pc:sldMkLst>
-          <pc:docMk/>
-          <pc:sldMk cId="723946338" sldId="261"/>
-        </pc:sldMkLst>
-      </pc:sldChg>
-      <pc:sldChg chg="addSp delSp modSp mod">
-        <pc:chgData name="Riccardo Berta" userId="c8694f89-bba4-4576-b0a8-456619ca5a8c" providerId="ADAL" clId="{CC2577DF-8224-C94B-83B1-76B6D0365435}" dt="2022-08-31T09:25:44.716" v="2941" actId="20577"/>
-        <pc:sldMkLst>
-          <pc:docMk/>
-          <pc:sldMk cId="1167696200" sldId="262"/>
-        </pc:sldMkLst>
-      </pc:sldChg>
-      <pc:sldChg chg="addSp delSp modSp mod">
-        <pc:chgData name="Riccardo Berta" userId="c8694f89-bba4-4576-b0a8-456619ca5a8c" providerId="ADAL" clId="{CC2577DF-8224-C94B-83B1-76B6D0365435}" dt="2022-09-05T16:03:43.858" v="4169" actId="20577"/>
-        <pc:sldMkLst>
-          <pc:docMk/>
-          <pc:sldMk cId="1817587258" sldId="263"/>
-        </pc:sldMkLst>
-      </pc:sldChg>
-      <pc:sldChg chg="addSp delSp modSp add mod">
-        <pc:chgData name="Riccardo Berta" userId="c8694f89-bba4-4576-b0a8-456619ca5a8c" providerId="ADAL" clId="{CC2577DF-8224-C94B-83B1-76B6D0365435}" dt="2022-08-30T15:20:46.032" v="1511" actId="1076"/>
-        <pc:sldMkLst>
-          <pc:docMk/>
-          <pc:sldMk cId="577690146" sldId="264"/>
-        </pc:sldMkLst>
-      </pc:sldChg>
-      <pc:sldChg chg="addSp modSp add mod">
-        <pc:chgData name="Riccardo Berta" userId="c8694f89-bba4-4576-b0a8-456619ca5a8c" providerId="ADAL" clId="{CC2577DF-8224-C94B-83B1-76B6D0365435}" dt="2022-08-31T06:44:00.558" v="1923" actId="1076"/>
-        <pc:sldMkLst>
-          <pc:docMk/>
-          <pc:sldMk cId="2692772026" sldId="265"/>
-        </pc:sldMkLst>
-      </pc:sldChg>
-      <pc:sldChg chg="addSp modSp add mod">
-        <pc:chgData name="Riccardo Berta" userId="c8694f89-bba4-4576-b0a8-456619ca5a8c" providerId="ADAL" clId="{CC2577DF-8224-C94B-83B1-76B6D0365435}" dt="2022-08-31T06:45:27.387" v="1975" actId="1076"/>
-        <pc:sldMkLst>
-          <pc:docMk/>
-          <pc:sldMk cId="2331383298" sldId="266"/>
-        </pc:sldMkLst>
-      </pc:sldChg>
-      <pc:sldChg chg="addSp modSp add mod">
-        <pc:chgData name="Riccardo Berta" userId="c8694f89-bba4-4576-b0a8-456619ca5a8c" providerId="ADAL" clId="{CC2577DF-8224-C94B-83B1-76B6D0365435}" dt="2022-09-01T12:04:53.585" v="3108" actId="113"/>
-        <pc:sldMkLst>
-          <pc:docMk/>
-          <pc:sldMk cId="2963521549" sldId="267"/>
-        </pc:sldMkLst>
-      </pc:sldChg>
-      <pc:sldChg chg="addSp modSp add mod">
-        <pc:chgData name="Riccardo Berta" userId="c8694f89-bba4-4576-b0a8-456619ca5a8c" providerId="ADAL" clId="{CC2577DF-8224-C94B-83B1-76B6D0365435}" dt="2022-08-31T06:50:27.239" v="2121" actId="20577"/>
-        <pc:sldMkLst>
-          <pc:docMk/>
-          <pc:sldMk cId="2177167453" sldId="268"/>
-        </pc:sldMkLst>
-      </pc:sldChg>
-      <pc:sldChg chg="addSp delSp modSp add mod">
-        <pc:chgData name="Riccardo Berta" userId="c8694f89-bba4-4576-b0a8-456619ca5a8c" providerId="ADAL" clId="{CC2577DF-8224-C94B-83B1-76B6D0365435}" dt="2022-08-31T09:10:01.944" v="2472" actId="478"/>
-        <pc:sldMkLst>
-          <pc:docMk/>
-          <pc:sldMk cId="511811827" sldId="269"/>
-        </pc:sldMkLst>
-      </pc:sldChg>
-      <pc:sldChg chg="addSp modSp add mod">
-        <pc:chgData name="Riccardo Berta" userId="c8694f89-bba4-4576-b0a8-456619ca5a8c" providerId="ADAL" clId="{CC2577DF-8224-C94B-83B1-76B6D0365435}" dt="2022-08-31T09:16:02.844" v="2661" actId="20577"/>
-        <pc:sldMkLst>
-          <pc:docMk/>
-          <pc:sldMk cId="2576489988" sldId="270"/>
-        </pc:sldMkLst>
-      </pc:sldChg>
-      <pc:sldChg chg="addSp modSp add mod">
-        <pc:chgData name="Riccardo Berta" userId="c8694f89-bba4-4576-b0a8-456619ca5a8c" providerId="ADAL" clId="{CC2577DF-8224-C94B-83B1-76B6D0365435}" dt="2022-08-31T09:25:04.982" v="2934" actId="1076"/>
-        <pc:sldMkLst>
-          <pc:docMk/>
-          <pc:sldMk cId="877961355" sldId="271"/>
-        </pc:sldMkLst>
-      </pc:sldChg>
-      <pc:sldChg chg="addSp modSp add mod">
-        <pc:chgData name="Riccardo Berta" userId="c8694f89-bba4-4576-b0a8-456619ca5a8c" providerId="ADAL" clId="{CC2577DF-8224-C94B-83B1-76B6D0365435}" dt="2022-09-01T12:21:46.808" v="3385" actId="1076"/>
-        <pc:sldMkLst>
-          <pc:docMk/>
-          <pc:sldMk cId="3510928690" sldId="272"/>
-        </pc:sldMkLst>
-      </pc:sldChg>
-      <pc:sldChg chg="addSp delSp modSp add mod">
-        <pc:chgData name="Riccardo Berta" userId="c8694f89-bba4-4576-b0a8-456619ca5a8c" providerId="ADAL" clId="{CC2577DF-8224-C94B-83B1-76B6D0365435}" dt="2022-09-01T12:44:35.453" v="3879" actId="20577"/>
-        <pc:sldMkLst>
-          <pc:docMk/>
-          <pc:sldMk cId="3435248664" sldId="273"/>
-        </pc:sldMkLst>
-      </pc:sldChg>
-      <pc:sldChg chg="modSp add del mod">
-        <pc:chgData name="Riccardo Berta" userId="c8694f89-bba4-4576-b0a8-456619ca5a8c" providerId="ADAL" clId="{CC2577DF-8224-C94B-83B1-76B6D0365435}" dt="2022-09-01T12:46:57.647" v="3984" actId="2696"/>
-        <pc:sldMkLst>
-          <pc:docMk/>
-          <pc:sldMk cId="2211494529" sldId="274"/>
-        </pc:sldMkLst>
-      </pc:sldChg>
-      <pc:sldChg chg="modSp add mod">
-        <pc:chgData name="Riccardo Berta" userId="c8694f89-bba4-4576-b0a8-456619ca5a8c" providerId="ADAL" clId="{CC2577DF-8224-C94B-83B1-76B6D0365435}" dt="2022-09-01T12:46:49.645" v="3981" actId="20577"/>
-        <pc:sldMkLst>
-          <pc:docMk/>
-          <pc:sldMk cId="1846471115" sldId="275"/>
-        </pc:sldMkLst>
-      </pc:sldChg>
-      <pc:sldChg chg="add del">
-        <pc:chgData name="Riccardo Berta" userId="c8694f89-bba4-4576-b0a8-456619ca5a8c" providerId="ADAL" clId="{CC2577DF-8224-C94B-83B1-76B6D0365435}" dt="2022-09-01T12:46:55.975" v="3982" actId="2696"/>
-        <pc:sldMkLst>
-          <pc:docMk/>
-          <pc:sldMk cId="2038101573" sldId="276"/>
-        </pc:sldMkLst>
-      </pc:sldChg>
-      <pc:sldChg chg="add del">
-        <pc:chgData name="Riccardo Berta" userId="c8694f89-bba4-4576-b0a8-456619ca5a8c" providerId="ADAL" clId="{CC2577DF-8224-C94B-83B1-76B6D0365435}" dt="2022-09-01T12:46:56.604" v="3983" actId="2696"/>
-        <pc:sldMkLst>
-          <pc:docMk/>
-          <pc:sldMk cId="3328298954" sldId="277"/>
-        </pc:sldMkLst>
-      </pc:sldChg>
-      <pc:sldChg chg="new del">
-        <pc:chgData name="Riccardo Berta" userId="c8694f89-bba4-4576-b0a8-456619ca5a8c" providerId="ADAL" clId="{CC2577DF-8224-C94B-83B1-76B6D0365435}" dt="2022-09-01T09:58:08.026" v="2946" actId="2696"/>
-        <pc:sldMkLst>
-          <pc:docMk/>
-          <pc:sldMk cId="258397917" sldId="278"/>
-        </pc:sldMkLst>
-      </pc:sldChg>
-      <pc:sldChg chg="modSp add mod">
-        <pc:chgData name="Riccardo Berta" userId="c8694f89-bba4-4576-b0a8-456619ca5a8c" providerId="ADAL" clId="{CC2577DF-8224-C94B-83B1-76B6D0365435}" dt="2022-09-01T10:01:52.807" v="3097" actId="20577"/>
-        <pc:sldMkLst>
-          <pc:docMk/>
-          <pc:sldMk cId="1086633516" sldId="278"/>
-        </pc:sldMkLst>
-      </pc:sldChg>
-      <pc:sldChg chg="modSp add del">
-        <pc:chgData name="Riccardo Berta" userId="c8694f89-bba4-4576-b0a8-456619ca5a8c" providerId="ADAL" clId="{CC2577DF-8224-C94B-83B1-76B6D0365435}" dt="2022-09-01T12:03:54.353" v="3106" actId="2696"/>
-        <pc:sldMkLst>
-          <pc:docMk/>
-          <pc:sldMk cId="536068914" sldId="279"/>
-        </pc:sldMkLst>
-      </pc:sldChg>
-      <pc:sldChg chg="modSp add mod">
-        <pc:chgData name="Riccardo Berta" userId="c8694f89-bba4-4576-b0a8-456619ca5a8c" providerId="ADAL" clId="{CC2577DF-8224-C94B-83B1-76B6D0365435}" dt="2022-09-01T12:18:56.973" v="3334"/>
-        <pc:sldMkLst>
-          <pc:docMk/>
-          <pc:sldMk cId="2602639236" sldId="279"/>
-        </pc:sldMkLst>
-      </pc:sldChg>
-      <pc:sldChg chg="addSp delSp modSp add del mod">
-        <pc:chgData name="Riccardo Berta" userId="c8694f89-bba4-4576-b0a8-456619ca5a8c" providerId="ADAL" clId="{CC2577DF-8224-C94B-83B1-76B6D0365435}" dt="2022-09-05T16:06:32.253" v="4199" actId="14100"/>
-        <pc:sldMkLst>
-          <pc:docMk/>
-          <pc:sldMk cId="847810682" sldId="280"/>
-        </pc:sldMkLst>
-      </pc:sldChg>
-      <pc:sldChg chg="addSp delSp modSp add del mod">
-        <pc:chgData name="Riccardo Berta" userId="c8694f89-bba4-4576-b0a8-456619ca5a8c" providerId="ADAL" clId="{CC2577DF-8224-C94B-83B1-76B6D0365435}" dt="2022-10-07T08:10:19.171" v="4257" actId="2696"/>
-        <pc:sldMkLst>
-          <pc:docMk/>
-          <pc:sldMk cId="2020508806" sldId="281"/>
-        </pc:sldMkLst>
+            <pc:sldMk cId="1918423602" sldId="286"/>
+            <ac:spMk id="84" creationId="{00000000-0000-0000-0000-000000000000}"/>
+          </ac:spMkLst>
+        </pc:spChg>
       </pc:sldChg>
     </pc:docChg>
   </pc:docChgLst>
@@ -15896,7 +13415,7 @@
             </a:r>
             <a:r>
               <a:rPr lang="en-GB" dirty="0"/>
-              <a:t>) tools are also available to search a vast space of possible multilevel designs and seek the one that fits your constraints given the available building blocks</a:t>
+              <a:t>) tools are also available to search a vast space of possible multilevel designs and seek the one that fits our constraints given the available building blocks</a:t>
             </a:r>
           </a:p>
           <a:p>
@@ -19283,6 +16802,15 @@
 </file>
 
 <file path=customXml/item1.xml><?xml version="1.0" encoding="utf-8"?>
+<?mso-contentType ?>
+<FormTemplates xmlns="http://schemas.microsoft.com/sharepoint/v3/contenttype/forms">
+  <Display>DocumentLibraryForm</Display>
+  <Edit>DocumentLibraryForm</Edit>
+  <New>DocumentLibraryForm</New>
+</FormTemplates>
+</file>
+
+<file path=customXml/item2.xml><?xml version="1.0" encoding="utf-8"?>
 <p:properties xmlns:p="http://schemas.microsoft.com/office/2006/metadata/properties" xmlns:xsi="http://www.w3.org/2001/XMLSchema-instance" xmlns:pc="http://schemas.microsoft.com/office/infopath/2007/PartnerControls">
   <documentManagement>
     <TaxCatchAll xmlns="e9b5433c-2372-4cb7-8bab-09518096b29b" xsi:nil="true"/>
@@ -19291,15 +16819,6 @@
     </lcf76f155ced4ddcb4097134ff3c332f>
   </documentManagement>
 </p:properties>
-</file>
-
-<file path=customXml/item2.xml><?xml version="1.0" encoding="utf-8"?>
-<?mso-contentType ?>
-<FormTemplates xmlns="http://schemas.microsoft.com/sharepoint/v3/contenttype/forms">
-  <Display>DocumentLibraryForm</Display>
-  <Edit>DocumentLibraryForm</Edit>
-  <New>DocumentLibraryForm</New>
-</FormTemplates>
 </file>
 
 <file path=customXml/item3.xml><?xml version="1.0" encoding="utf-8"?>
@@ -19504,26 +17023,26 @@
 </file>
 
 <file path=customXml/itemProps1.xml><?xml version="1.0" encoding="utf-8"?>
-<ds:datastoreItem xmlns:ds="http://schemas.openxmlformats.org/officeDocument/2006/customXml" ds:itemID="{1415B781-5FE3-43F9-8381-1BCC156E62C6}">
+<ds:datastoreItem xmlns:ds="http://schemas.openxmlformats.org/officeDocument/2006/customXml" ds:itemID="{A1573670-86A5-481D-B06C-CD125DA564CC}">
   <ds:schemaRefs>
-    <ds:schemaRef ds:uri="http://purl.org/dc/elements/1.1/"/>
-    <ds:schemaRef ds:uri="http://schemas.microsoft.com/office/2006/documentManagement/types"/>
-    <ds:schemaRef ds:uri="3bd0d43f-5e5b-43cd-b6fc-691bd77672c6"/>
-    <ds:schemaRef ds:uri="http://schemas.openxmlformats.org/package/2006/metadata/core-properties"/>
-    <ds:schemaRef ds:uri="http://purl.org/dc/terms/"/>
-    <ds:schemaRef ds:uri="http://purl.org/dc/dcmitype/"/>
-    <ds:schemaRef ds:uri="http://schemas.microsoft.com/office/infopath/2007/PartnerControls"/>
-    <ds:schemaRef ds:uri="e9b5433c-2372-4cb7-8bab-09518096b29b"/>
-    <ds:schemaRef ds:uri="http://schemas.microsoft.com/office/2006/metadata/properties"/>
-    <ds:schemaRef ds:uri="http://www.w3.org/XML/1998/namespace"/>
+    <ds:schemaRef ds:uri="http://schemas.microsoft.com/sharepoint/v3/contenttype/forms"/>
   </ds:schemaRefs>
 </ds:datastoreItem>
 </file>
 
 <file path=customXml/itemProps2.xml><?xml version="1.0" encoding="utf-8"?>
-<ds:datastoreItem xmlns:ds="http://schemas.openxmlformats.org/officeDocument/2006/customXml" ds:itemID="{A1573670-86A5-481D-B06C-CD125DA564CC}">
+<ds:datastoreItem xmlns:ds="http://schemas.openxmlformats.org/officeDocument/2006/customXml" ds:itemID="{1415B781-5FE3-43F9-8381-1BCC156E62C6}">
   <ds:schemaRefs>
-    <ds:schemaRef ds:uri="http://schemas.microsoft.com/sharepoint/v3/contenttype/forms"/>
+    <ds:schemaRef ds:uri="http://www.w3.org/XML/1998/namespace"/>
+    <ds:schemaRef ds:uri="http://purl.org/dc/terms/"/>
+    <ds:schemaRef ds:uri="e9b5433c-2372-4cb7-8bab-09518096b29b"/>
+    <ds:schemaRef ds:uri="http://schemas.microsoft.com/office/2006/documentManagement/types"/>
+    <ds:schemaRef ds:uri="http://purl.org/dc/elements/1.1/"/>
+    <ds:schemaRef ds:uri="http://purl.org/dc/dcmitype/"/>
+    <ds:schemaRef ds:uri="http://schemas.microsoft.com/office/2006/metadata/properties"/>
+    <ds:schemaRef ds:uri="http://schemas.microsoft.com/office/infopath/2007/PartnerControls"/>
+    <ds:schemaRef ds:uri="http://schemas.openxmlformats.org/package/2006/metadata/core-properties"/>
+    <ds:schemaRef ds:uri="3bd0d43f-5e5b-43cd-b6fc-691bd77672c6"/>
   </ds:schemaRefs>
 </ds:datastoreItem>
 </file>
